--- a/Apresentação1.pptx
+++ b/Apresentação1.pptx
@@ -370,7 +370,7 @@
           <a:p>
             <a:fld id="{1B8A7A92-EAF3-4644-B1E0-7ADB80FD1147}" type="slidenum">
               <a:rPr lang="pt-BR" smtClean="0"/>
-              <a:t>‹n.º›</a:t>
+              <a:t>‹nº›</a:t>
             </a:fld>
             <a:endParaRPr lang="pt-BR"/>
           </a:p>
@@ -1100,7 +1100,7 @@
           <a:p>
             <a:fld id="{83284890-85D2-4D7B-8EF5-15A9C1DB8F42}" type="datetimeFigureOut">
               <a:rPr lang="en-US" smtClean="0"/>
-              <a:t>12/11/15</a:t>
+              <a:t>12/12/15</a:t>
             </a:fld>
             <a:endParaRPr lang="en-US"/>
           </a:p>
@@ -1152,7 +1152,7 @@
             <a:fld id="{4FAB73BC-B049-4115-A692-8D63A059BFB8}" type="slidenum">
               <a:rPr lang="en-US" smtClean="0"/>
               <a:pPr/>
-              <a:t>‹n.º›</a:t>
+              <a:t>‹nº›</a:t>
             </a:fld>
             <a:endParaRPr lang="en-US" dirty="0"/>
           </a:p>
@@ -1280,7 +1280,7 @@
           <a:p>
             <a:fld id="{87157CC2-0FC8-4686-B024-99790E0F5162}" type="datetimeFigureOut">
               <a:rPr lang="en-US" smtClean="0"/>
-              <a:t>12/11/15</a:t>
+              <a:t>12/12/15</a:t>
             </a:fld>
             <a:endParaRPr lang="en-US"/>
           </a:p>
@@ -1322,7 +1322,7 @@
           <a:p>
             <a:fld id="{4FAB73BC-B049-4115-A692-8D63A059BFB8}" type="slidenum">
               <a:rPr lang="en-US" smtClean="0"/>
-              <a:t>‹n.º›</a:t>
+              <a:t>‹nº›</a:t>
             </a:fld>
             <a:endParaRPr lang="en-US"/>
           </a:p>
@@ -1460,7 +1460,7 @@
           <a:p>
             <a:fld id="{F6764DA5-CD3D-4590-A511-FCD3BC7A793E}" type="datetimeFigureOut">
               <a:rPr lang="en-US" smtClean="0"/>
-              <a:t>12/11/15</a:t>
+              <a:t>12/12/15</a:t>
             </a:fld>
             <a:endParaRPr lang="en-US"/>
           </a:p>
@@ -1502,7 +1502,7 @@
           <a:p>
             <a:fld id="{4FAB73BC-B049-4115-A692-8D63A059BFB8}" type="slidenum">
               <a:rPr lang="en-US" smtClean="0"/>
-              <a:t>‹n.º›</a:t>
+              <a:t>‹nº›</a:t>
             </a:fld>
             <a:endParaRPr lang="en-US"/>
           </a:p>
@@ -1630,7 +1630,7 @@
           <a:p>
             <a:fld id="{82F5661D-6934-4B32-B92C-470368BF1EC6}" type="datetimeFigureOut">
               <a:rPr lang="en-US" smtClean="0"/>
-              <a:t>12/11/15</a:t>
+              <a:t>12/12/15</a:t>
             </a:fld>
             <a:endParaRPr lang="en-US"/>
           </a:p>
@@ -1672,7 +1672,7 @@
           <a:p>
             <a:fld id="{4FAB73BC-B049-4115-A692-8D63A059BFB8}" type="slidenum">
               <a:rPr lang="en-US" smtClean="0"/>
-              <a:t>‹n.º›</a:t>
+              <a:t>‹nº›</a:t>
             </a:fld>
             <a:endParaRPr lang="en-US"/>
           </a:p>
@@ -1951,7 +1951,7 @@
           <a:p>
             <a:fld id="{C6F822A4-8DA6-4447-9B1F-C5DB58435268}" type="datetimeFigureOut">
               <a:rPr lang="en-US" smtClean="0"/>
-              <a:t>12/11/15</a:t>
+              <a:t>12/12/15</a:t>
             </a:fld>
             <a:endParaRPr lang="en-US" dirty="0"/>
           </a:p>
@@ -2166,7 +2166,7 @@
             <a:fld id="{4FAB73BC-B049-4115-A692-8D63A059BFB8}" type="slidenum">
               <a:rPr lang="en-US" smtClean="0"/>
               <a:pPr/>
-              <a:t>‹n.º›</a:t>
+              <a:t>‹nº›</a:t>
             </a:fld>
             <a:endParaRPr lang="en-US" dirty="0"/>
           </a:p>
@@ -2412,7 +2412,7 @@
           <a:p>
             <a:fld id="{E548D31E-DCDA-41A7-9C67-C4B11B94D21D}" type="datetimeFigureOut">
               <a:rPr lang="en-US" smtClean="0"/>
-              <a:t>12/11/15</a:t>
+              <a:t>12/12/15</a:t>
             </a:fld>
             <a:endParaRPr lang="en-US"/>
           </a:p>
@@ -2454,7 +2454,7 @@
           <a:p>
             <a:fld id="{4FAB73BC-B049-4115-A692-8D63A059BFB8}" type="slidenum">
               <a:rPr lang="en-US" smtClean="0"/>
-              <a:t>‹n.º›</a:t>
+              <a:t>‹nº›</a:t>
             </a:fld>
             <a:endParaRPr lang="en-US"/>
           </a:p>
@@ -2823,7 +2823,7 @@
           <a:p>
             <a:fld id="{9B3762C0-B258-48F1-ADE6-176B4174CCDD}" type="datetimeFigureOut">
               <a:rPr lang="en-US" smtClean="0"/>
-              <a:t>12/11/15</a:t>
+              <a:t>12/12/15</a:t>
             </a:fld>
             <a:endParaRPr lang="en-US"/>
           </a:p>
@@ -2865,7 +2865,7 @@
           <a:p>
             <a:fld id="{4FAB73BC-B049-4115-A692-8D63A059BFB8}" type="slidenum">
               <a:rPr lang="en-US" smtClean="0"/>
-              <a:t>‹n.º›</a:t>
+              <a:t>‹nº›</a:t>
             </a:fld>
             <a:endParaRPr lang="en-US"/>
           </a:p>
@@ -2941,7 +2941,7 @@
           <a:p>
             <a:fld id="{677919A6-33EB-49BD-A62F-1FA56B9F9712}" type="datetimeFigureOut">
               <a:rPr lang="en-US" smtClean="0"/>
-              <a:t>12/11/15</a:t>
+              <a:t>12/12/15</a:t>
             </a:fld>
             <a:endParaRPr lang="en-US"/>
           </a:p>
@@ -2983,7 +2983,7 @@
           <a:p>
             <a:fld id="{4FAB73BC-B049-4115-A692-8D63A059BFB8}" type="slidenum">
               <a:rPr lang="en-US" smtClean="0"/>
-              <a:t>‹n.º›</a:t>
+              <a:t>‹nº›</a:t>
             </a:fld>
             <a:endParaRPr lang="en-US"/>
           </a:p>
@@ -3059,7 +3059,7 @@
           <a:p>
             <a:fld id="{CA4E7D1B-D673-4CF6-8672-009D42ABD2A0}" type="datetimeFigureOut">
               <a:rPr lang="en-US" smtClean="0"/>
-              <a:t>12/11/15</a:t>
+              <a:t>12/12/15</a:t>
             </a:fld>
             <a:endParaRPr lang="en-US"/>
           </a:p>
@@ -3101,7 +3101,7 @@
           <a:p>
             <a:fld id="{4FAB73BC-B049-4115-A692-8D63A059BFB8}" type="slidenum">
               <a:rPr lang="en-US" smtClean="0"/>
-              <a:t>‹n.º›</a:t>
+              <a:t>‹nº›</a:t>
             </a:fld>
             <a:endParaRPr lang="en-US"/>
           </a:p>
@@ -3417,7 +3417,7 @@
           <a:p>
             <a:fld id="{DA16AA21-1863-4931-97CB-99D0A168701B}" type="datetimeFigureOut">
               <a:rPr lang="en-US" smtClean="0"/>
-              <a:t>12/11/15</a:t>
+              <a:t>12/12/15</a:t>
             </a:fld>
             <a:endParaRPr lang="en-US"/>
           </a:p>
@@ -3622,7 +3622,7 @@
           <a:p>
             <a:fld id="{4FAB73BC-B049-4115-A692-8D63A059BFB8}" type="slidenum">
               <a:rPr lang="en-US" smtClean="0"/>
-              <a:t>‹n.º›</a:t>
+              <a:t>‹nº›</a:t>
             </a:fld>
             <a:endParaRPr lang="en-US"/>
           </a:p>
@@ -3924,7 +3924,7 @@
           <a:p>
             <a:fld id="{3772C379-9A7C-4C87-A116-CBE9F58B04C5}" type="datetimeFigureOut">
               <a:rPr lang="en-US" smtClean="0"/>
-              <a:t>12/11/15</a:t>
+              <a:t>12/12/15</a:t>
             </a:fld>
             <a:endParaRPr lang="en-US"/>
           </a:p>
@@ -4110,7 +4110,7 @@
           <a:p>
             <a:fld id="{4FAB73BC-B049-4115-A692-8D63A059BFB8}" type="slidenum">
               <a:rPr lang="en-US" smtClean="0"/>
-              <a:t>‹n.º›</a:t>
+              <a:t>‹nº›</a:t>
             </a:fld>
             <a:endParaRPr lang="en-US"/>
           </a:p>
@@ -4279,7 +4279,7 @@
           <a:p>
             <a:fld id="{8664C608-40B1-4030-A28D-5B74BC98ADCE}" type="datetimeFigureOut">
               <a:rPr lang="en-US" smtClean="0"/>
-              <a:t>12/11/15</a:t>
+              <a:t>12/12/15</a:t>
             </a:fld>
             <a:endParaRPr lang="en-US" dirty="0"/>
           </a:p>
@@ -4518,7 +4518,7 @@
             <a:fld id="{4FAB73BC-B049-4115-A692-8D63A059BFB8}" type="slidenum">
               <a:rPr lang="en-US" smtClean="0"/>
               <a:pPr/>
-              <a:t>‹n.º›</a:t>
+              <a:t>‹nº›</a:t>
             </a:fld>
             <a:endParaRPr lang="en-US" dirty="0"/>
           </a:p>
@@ -5000,6 +5000,13 @@
   <p:clrMapOvr>
     <a:masterClrMapping/>
   </p:clrMapOvr>
+  <p:timing>
+    <p:tnLst>
+      <p:par>
+        <p:cTn id="1" dur="indefinite" restart="never" nodeType="tmRoot"/>
+      </p:par>
+    </p:tnLst>
+  </p:timing>
 </p:sld>
 </file>
 
@@ -5182,6 +5189,13 @@
   <p:clrMapOvr>
     <a:masterClrMapping/>
   </p:clrMapOvr>
+  <p:timing>
+    <p:tnLst>
+      <p:par>
+        <p:cTn id="1" dur="indefinite" restart="never" nodeType="tmRoot"/>
+      </p:par>
+    </p:tnLst>
+  </p:timing>
 </p:sld>
 </file>
 
@@ -5262,8 +5276,13 @@
             </a:r>
             <a:r>
               <a:rPr lang="pt-PT" dirty="0" smtClean="0"/>
-              <a:t>é utilizado para mostrar a similaridade entre utilizadores em relação aos livros requisitados.</a:t>
-            </a:r>
+              <a:t>é utilizado para mostrar a similaridade entre utilizadores em relação aos livros </a:t>
+            </a:r>
+            <a:r>
+              <a:rPr lang="pt-PT" dirty="0" smtClean="0"/>
+              <a:t>requisitados.</a:t>
+            </a:r>
+            <a:endParaRPr lang="pt-PT" dirty="0" smtClean="0"/>
           </a:p>
           <a:p>
             <a:endParaRPr lang="pt-PT" dirty="0"/>
@@ -5277,7 +5296,31 @@
           <a:p>
             <a:r>
               <a:rPr lang="pt-PT" dirty="0" smtClean="0"/>
-              <a:t>------ GRÁFICO DE ERRO DO MIN-HASH TEÓRICO VS EXPERIMENTAL -------</a:t>
+              <a:t>------ GRÁFICO DE ERRO </a:t>
+            </a:r>
+            <a:r>
+              <a:rPr lang="pt-PT" dirty="0" smtClean="0"/>
+              <a:t>DISTANCIA JACCARD</a:t>
+            </a:r>
+            <a:r>
+              <a:rPr lang="pt-PT" dirty="0" smtClean="0"/>
+              <a:t> </a:t>
+            </a:r>
+            <a:r>
+              <a:rPr lang="pt-PT" dirty="0" smtClean="0"/>
+              <a:t>TEÓRICO </a:t>
+            </a:r>
+            <a:r>
+              <a:rPr lang="pt-PT" smtClean="0"/>
+              <a:t>VS </a:t>
+            </a:r>
+            <a:r>
+              <a:rPr lang="pt-PT" smtClean="0"/>
+              <a:t>MIN-HASH </a:t>
+            </a:r>
+            <a:r>
+              <a:rPr lang="pt-PT" dirty="0" smtClean="0"/>
+              <a:t>-------</a:t>
             </a:r>
             <a:endParaRPr lang="pt-BR" dirty="0"/>
           </a:p>
@@ -5293,6 +5336,13 @@
   <p:clrMapOvr>
     <a:masterClrMapping/>
   </p:clrMapOvr>
+  <p:timing>
+    <p:tnLst>
+      <p:par>
+        <p:cTn id="1" dur="indefinite" restart="never" nodeType="tmRoot"/>
+      </p:par>
+    </p:tnLst>
+  </p:timing>
 </p:sld>
 </file>
 
@@ -5360,11 +5410,317 @@
         </p:blipFill>
         <p:spPr>
           <a:xfrm>
-            <a:off x="842673" y="2093976"/>
+            <a:off x="842673" y="1821359"/>
             <a:ext cx="9761879" cy="1156012"/>
           </a:xfrm>
         </p:spPr>
       </p:pic>
+      <p:pic>
+        <p:nvPicPr>
+          <p:cNvPr id="5" name="Imagem 4"/>
+          <p:cNvPicPr>
+            <a:picLocks noChangeAspect="1"/>
+          </p:cNvPicPr>
+          <p:nvPr/>
+        </p:nvPicPr>
+        <p:blipFill>
+          <a:blip r:embed="rId3">
+            <a:extLst>
+              <a:ext uri="{28A0092B-C50C-407E-A947-70E740481C1C}">
+                <a14:useLocalDpi xmlns:a14="http://schemas.microsoft.com/office/drawing/2010/main" val="0"/>
+              </a:ext>
+            </a:extLst>
+          </a:blip>
+          <a:stretch>
+            <a:fillRect/>
+          </a:stretch>
+        </p:blipFill>
+        <p:spPr>
+          <a:xfrm>
+            <a:off x="737742" y="4122732"/>
+            <a:ext cx="7556500" cy="1473200"/>
+          </a:xfrm>
+          <a:prstGeom prst="rect">
+            <a:avLst/>
+          </a:prstGeom>
+        </p:spPr>
+      </p:pic>
+      <p:sp>
+        <p:nvSpPr>
+          <p:cNvPr id="7" name="Espaço Reservado para Conteúdo 2"/>
+          <p:cNvSpPr txBox="1">
+            <a:spLocks/>
+          </p:cNvSpPr>
+          <p:nvPr/>
+        </p:nvSpPr>
+        <p:spPr>
+          <a:xfrm>
+            <a:off x="792014" y="3239541"/>
+            <a:ext cx="9863195" cy="763574"/>
+          </a:xfrm>
+          <a:prstGeom prst="rect">
+            <a:avLst/>
+          </a:prstGeom>
+        </p:spPr>
+        <p:txBody>
+          <a:bodyPr vert="horz" lIns="91440" tIns="45720" rIns="91440" bIns="45720" rtlCol="0">
+            <a:normAutofit fontScale="92500" lnSpcReduction="20000"/>
+          </a:bodyPr>
+          <a:lstStyle>
+            <a:lvl1pPr marL="182880" indent="-182880" algn="l" defTabSz="914400" rtl="0" eaLnBrk="1" latinLnBrk="0" hangingPunct="1">
+              <a:lnSpc>
+                <a:spcPct val="90000"/>
+              </a:lnSpc>
+              <a:spcBef>
+                <a:spcPts val="1200"/>
+              </a:spcBef>
+              <a:buClr>
+                <a:schemeClr val="accent1">
+                  <a:lumMod val="75000"/>
+                </a:schemeClr>
+              </a:buClr>
+              <a:buSzPct val="85000"/>
+              <a:buFont typeface="Wingdings" pitchFamily="2" charset="2"/>
+              <a:buChar char="§"/>
+              <a:defRPr sz="2000" kern="1200">
+                <a:solidFill>
+                  <a:schemeClr val="tx1"/>
+                </a:solidFill>
+                <a:latin typeface="+mn-lt"/>
+                <a:ea typeface="+mn-ea"/>
+                <a:cs typeface="+mn-cs"/>
+              </a:defRPr>
+            </a:lvl1pPr>
+            <a:lvl2pPr marL="457200" indent="-182880" algn="l" defTabSz="914400" rtl="0" eaLnBrk="1" latinLnBrk="0" hangingPunct="1">
+              <a:lnSpc>
+                <a:spcPct val="90000"/>
+              </a:lnSpc>
+              <a:spcBef>
+                <a:spcPts val="400"/>
+              </a:spcBef>
+              <a:spcAft>
+                <a:spcPts val="200"/>
+              </a:spcAft>
+              <a:buClr>
+                <a:schemeClr val="accent1">
+                  <a:lumMod val="75000"/>
+                </a:schemeClr>
+              </a:buClr>
+              <a:buSzPct val="85000"/>
+              <a:buFont typeface="Wingdings" pitchFamily="2" charset="2"/>
+              <a:buChar char="§"/>
+              <a:defRPr sz="1800" kern="1200">
+                <a:solidFill>
+                  <a:schemeClr val="tx1"/>
+                </a:solidFill>
+                <a:latin typeface="+mn-lt"/>
+                <a:ea typeface="+mn-ea"/>
+                <a:cs typeface="+mn-cs"/>
+              </a:defRPr>
+            </a:lvl2pPr>
+            <a:lvl3pPr marL="731520" indent="-182880" algn="l" defTabSz="914400" rtl="0" eaLnBrk="1" latinLnBrk="0" hangingPunct="1">
+              <a:lnSpc>
+                <a:spcPct val="90000"/>
+              </a:lnSpc>
+              <a:spcBef>
+                <a:spcPts val="400"/>
+              </a:spcBef>
+              <a:spcAft>
+                <a:spcPts val="200"/>
+              </a:spcAft>
+              <a:buClr>
+                <a:schemeClr val="accent1">
+                  <a:lumMod val="75000"/>
+                </a:schemeClr>
+              </a:buClr>
+              <a:buSzPct val="85000"/>
+              <a:buFont typeface="Wingdings" pitchFamily="2" charset="2"/>
+              <a:buChar char="§"/>
+              <a:defRPr sz="1600" kern="1200">
+                <a:solidFill>
+                  <a:schemeClr val="tx1"/>
+                </a:solidFill>
+                <a:latin typeface="+mn-lt"/>
+                <a:ea typeface="+mn-ea"/>
+                <a:cs typeface="+mn-cs"/>
+              </a:defRPr>
+            </a:lvl3pPr>
+            <a:lvl4pPr marL="1005840" indent="-182880" algn="l" defTabSz="914400" rtl="0" eaLnBrk="1" latinLnBrk="0" hangingPunct="1">
+              <a:lnSpc>
+                <a:spcPct val="90000"/>
+              </a:lnSpc>
+              <a:spcBef>
+                <a:spcPts val="400"/>
+              </a:spcBef>
+              <a:spcAft>
+                <a:spcPts val="200"/>
+              </a:spcAft>
+              <a:buClr>
+                <a:schemeClr val="accent1">
+                  <a:lumMod val="75000"/>
+                </a:schemeClr>
+              </a:buClr>
+              <a:buSzPct val="85000"/>
+              <a:buFont typeface="Wingdings" pitchFamily="2" charset="2"/>
+              <a:buChar char="§"/>
+              <a:defRPr sz="1600" kern="1200">
+                <a:solidFill>
+                  <a:schemeClr val="tx1"/>
+                </a:solidFill>
+                <a:latin typeface="+mn-lt"/>
+                <a:ea typeface="+mn-ea"/>
+                <a:cs typeface="+mn-cs"/>
+              </a:defRPr>
+            </a:lvl4pPr>
+            <a:lvl5pPr marL="1280160" indent="-182880" algn="l" defTabSz="914400" rtl="0" eaLnBrk="1" latinLnBrk="0" hangingPunct="1">
+              <a:lnSpc>
+                <a:spcPct val="90000"/>
+              </a:lnSpc>
+              <a:spcBef>
+                <a:spcPts val="400"/>
+              </a:spcBef>
+              <a:spcAft>
+                <a:spcPts val="200"/>
+              </a:spcAft>
+              <a:buClr>
+                <a:schemeClr val="accent1">
+                  <a:lumMod val="75000"/>
+                </a:schemeClr>
+              </a:buClr>
+              <a:buSzPct val="85000"/>
+              <a:buFont typeface="Wingdings" pitchFamily="2" charset="2"/>
+              <a:buChar char="§"/>
+              <a:defRPr sz="1600" kern="1200">
+                <a:solidFill>
+                  <a:schemeClr val="tx1"/>
+                </a:solidFill>
+                <a:latin typeface="+mn-lt"/>
+                <a:ea typeface="+mn-ea"/>
+                <a:cs typeface="+mn-cs"/>
+              </a:defRPr>
+            </a:lvl5pPr>
+            <a:lvl6pPr marL="1600000" indent="-228600" algn="l" defTabSz="914400" rtl="0" eaLnBrk="1" latinLnBrk="0" hangingPunct="1">
+              <a:lnSpc>
+                <a:spcPct val="90000"/>
+              </a:lnSpc>
+              <a:spcBef>
+                <a:spcPts val="400"/>
+              </a:spcBef>
+              <a:spcAft>
+                <a:spcPts val="200"/>
+              </a:spcAft>
+              <a:buClr>
+                <a:schemeClr val="accent1">
+                  <a:lumMod val="75000"/>
+                </a:schemeClr>
+              </a:buClr>
+              <a:buSzPct val="85000"/>
+              <a:buFont typeface="Wingdings" pitchFamily="2" charset="2"/>
+              <a:buChar char="§"/>
+              <a:defRPr sz="1600" kern="1200">
+                <a:solidFill>
+                  <a:schemeClr val="tx1"/>
+                </a:solidFill>
+                <a:latin typeface="+mn-lt"/>
+                <a:ea typeface="+mn-ea"/>
+                <a:cs typeface="+mn-cs"/>
+              </a:defRPr>
+            </a:lvl6pPr>
+            <a:lvl7pPr marL="1900000" indent="-228600" algn="l" defTabSz="914400" rtl="0" eaLnBrk="1" latinLnBrk="0" hangingPunct="1">
+              <a:lnSpc>
+                <a:spcPct val="90000"/>
+              </a:lnSpc>
+              <a:spcBef>
+                <a:spcPts val="400"/>
+              </a:spcBef>
+              <a:spcAft>
+                <a:spcPts val="200"/>
+              </a:spcAft>
+              <a:buClr>
+                <a:schemeClr val="accent1">
+                  <a:lumMod val="75000"/>
+                </a:schemeClr>
+              </a:buClr>
+              <a:buSzPct val="85000"/>
+              <a:buFont typeface="Wingdings" pitchFamily="2" charset="2"/>
+              <a:buChar char="§"/>
+              <a:defRPr sz="1600" kern="1200">
+                <a:solidFill>
+                  <a:schemeClr val="tx1"/>
+                </a:solidFill>
+                <a:latin typeface="+mn-lt"/>
+                <a:ea typeface="+mn-ea"/>
+                <a:cs typeface="+mn-cs"/>
+              </a:defRPr>
+            </a:lvl7pPr>
+            <a:lvl8pPr marL="2200000" indent="-228600" algn="l" defTabSz="914400" rtl="0" eaLnBrk="1" latinLnBrk="0" hangingPunct="1">
+              <a:lnSpc>
+                <a:spcPct val="90000"/>
+              </a:lnSpc>
+              <a:spcBef>
+                <a:spcPts val="400"/>
+              </a:spcBef>
+              <a:spcAft>
+                <a:spcPts val="200"/>
+              </a:spcAft>
+              <a:buClr>
+                <a:schemeClr val="accent1">
+                  <a:lumMod val="75000"/>
+                </a:schemeClr>
+              </a:buClr>
+              <a:buSzPct val="85000"/>
+              <a:buFont typeface="Wingdings" pitchFamily="2" charset="2"/>
+              <a:buChar char="§"/>
+              <a:defRPr sz="1600" kern="1200">
+                <a:solidFill>
+                  <a:schemeClr val="tx1"/>
+                </a:solidFill>
+                <a:latin typeface="+mn-lt"/>
+                <a:ea typeface="+mn-ea"/>
+                <a:cs typeface="+mn-cs"/>
+              </a:defRPr>
+            </a:lvl8pPr>
+            <a:lvl9pPr marL="2500000" indent="-228600" algn="l" defTabSz="914400" rtl="0" eaLnBrk="1" latinLnBrk="0" hangingPunct="1">
+              <a:lnSpc>
+                <a:spcPct val="90000"/>
+              </a:lnSpc>
+              <a:spcBef>
+                <a:spcPts val="400"/>
+              </a:spcBef>
+              <a:spcAft>
+                <a:spcPts val="200"/>
+              </a:spcAft>
+              <a:buClr>
+                <a:schemeClr val="accent1">
+                  <a:lumMod val="75000"/>
+                </a:schemeClr>
+              </a:buClr>
+              <a:buSzPct val="85000"/>
+              <a:buFont typeface="Wingdings" pitchFamily="2" charset="2"/>
+              <a:buChar char="§"/>
+              <a:defRPr sz="1600" kern="1200">
+                <a:solidFill>
+                  <a:schemeClr val="tx1"/>
+                </a:solidFill>
+                <a:latin typeface="+mn-lt"/>
+                <a:ea typeface="+mn-ea"/>
+                <a:cs typeface="+mn-cs"/>
+              </a:defRPr>
+            </a:lvl9pPr>
+          </a:lstStyle>
+          <a:p>
+            <a:r>
+              <a:rPr lang="pt-PT" dirty="0" smtClean="0"/>
+              <a:t>Caso o livro exista e portanto possa ser requisitado, </a:t>
+            </a:r>
+            <a:r>
+              <a:rPr lang="pt-PT" dirty="0" smtClean="0"/>
+              <a:t>é dado ao utilizador sugestões de livros semelhantes que possam despertar o interesse do utilizador para ler mais tarde.</a:t>
+            </a:r>
+            <a:endParaRPr lang="pt-PT" dirty="0" smtClean="0"/>
+          </a:p>
+        </p:txBody>
+      </p:sp>
     </p:spTree>
     <p:extLst>
       <p:ext uri="{BB962C8B-B14F-4D97-AF65-F5344CB8AC3E}">
@@ -5375,6 +5731,13 @@
   <p:clrMapOvr>
     <a:masterClrMapping/>
   </p:clrMapOvr>
+  <p:timing>
+    <p:tnLst>
+      <p:par>
+        <p:cTn id="1" dur="indefinite" restart="never" nodeType="tmRoot"/>
+      </p:par>
+    </p:tnLst>
+  </p:timing>
 </p:sld>
 </file>
 

--- a/Apresentação1.pptx
+++ b/Apresentação1.pptx
@@ -5,13 +5,15 @@
     <p:sldMasterId id="2147483840" r:id="rId1"/>
   </p:sldMasterIdLst>
   <p:notesMasterIdLst>
-    <p:notesMasterId r:id="rId6"/>
+    <p:notesMasterId r:id="rId8"/>
   </p:notesMasterIdLst>
   <p:sldIdLst>
     <p:sldId id="256" r:id="rId2"/>
     <p:sldId id="257" r:id="rId3"/>
-    <p:sldId id="258" r:id="rId4"/>
-    <p:sldId id="259" r:id="rId5"/>
+    <p:sldId id="261" r:id="rId4"/>
+    <p:sldId id="258" r:id="rId5"/>
+    <p:sldId id="259" r:id="rId6"/>
+    <p:sldId id="260" r:id="rId7"/>
   </p:sldIdLst>
   <p:sldSz cx="12192000" cy="6858000"/>
   <p:notesSz cx="6858000" cy="9144000"/>
@@ -370,7 +372,7 @@
           <a:p>
             <a:fld id="{1B8A7A92-EAF3-4644-B1E0-7ADB80FD1147}" type="slidenum">
               <a:rPr lang="pt-BR" smtClean="0"/>
-              <a:t>‹nº›</a:t>
+              <a:t>‹n.º›</a:t>
             </a:fld>
             <a:endParaRPr lang="pt-BR"/>
           </a:p>
@@ -590,6 +592,198 @@
     <p:extLst>
       <p:ext uri="{BB962C8B-B14F-4D97-AF65-F5344CB8AC3E}">
         <p14:creationId xmlns:p14="http://schemas.microsoft.com/office/powerpoint/2010/main" val="2098808716"/>
+      </p:ext>
+    </p:extLst>
+  </p:cSld>
+  <p:clrMapOvr>
+    <a:masterClrMapping/>
+  </p:clrMapOvr>
+</p:notes>
+</file>
+
+<file path=ppt/notesSlides/notesSlide2.xml><?xml version="1.0" encoding="utf-8"?>
+<p:notes xmlns:a="http://schemas.openxmlformats.org/drawingml/2006/main" xmlns:r="http://schemas.openxmlformats.org/officeDocument/2006/relationships" xmlns:p="http://schemas.openxmlformats.org/presentationml/2006/main">
+  <p:cSld>
+    <p:spTree>
+      <p:nvGrpSpPr>
+        <p:cNvPr id="1" name=""/>
+        <p:cNvGrpSpPr/>
+        <p:nvPr/>
+      </p:nvGrpSpPr>
+      <p:grpSpPr>
+        <a:xfrm>
+          <a:off x="0" y="0"/>
+          <a:ext cx="0" cy="0"/>
+          <a:chOff x="0" y="0"/>
+          <a:chExt cx="0" cy="0"/>
+        </a:xfrm>
+      </p:grpSpPr>
+      <p:sp>
+        <p:nvSpPr>
+          <p:cNvPr id="2" name="Espaço Reservado para Imagem de Slide 1"/>
+          <p:cNvSpPr>
+            <a:spLocks noGrp="1" noRot="1" noChangeAspect="1"/>
+          </p:cNvSpPr>
+          <p:nvPr>
+            <p:ph type="sldImg"/>
+          </p:nvPr>
+        </p:nvSpPr>
+        <p:spPr/>
+      </p:sp>
+      <p:sp>
+        <p:nvSpPr>
+          <p:cNvPr id="3" name="Espaço Reservado para Anotações 2"/>
+          <p:cNvSpPr>
+            <a:spLocks noGrp="1"/>
+          </p:cNvSpPr>
+          <p:nvPr>
+            <p:ph type="body" idx="1"/>
+          </p:nvPr>
+        </p:nvSpPr>
+        <p:spPr/>
+        <p:txBody>
+          <a:bodyPr/>
+          <a:lstStyle/>
+          <a:p>
+            <a:r>
+              <a:rPr lang="pt-BR" dirty="0" err="1" smtClean="0"/>
+              <a:t>http</a:t>
+            </a:r>
+            <a:r>
+              <a:rPr lang="pt-BR" dirty="0" smtClean="0"/>
+              <a:t>://</a:t>
+            </a:r>
+            <a:r>
+              <a:rPr lang="pt-BR" dirty="0" err="1" smtClean="0"/>
+              <a:t>hur.st</a:t>
+            </a:r>
+            <a:r>
+              <a:rPr lang="pt-BR" dirty="0" smtClean="0"/>
+              <a:t>/</a:t>
+            </a:r>
+            <a:r>
+              <a:rPr lang="pt-BR" dirty="0" err="1" smtClean="0"/>
+              <a:t>bloomfilter?n</a:t>
+            </a:r>
+            <a:r>
+              <a:rPr lang="pt-BR" dirty="0" smtClean="0"/>
+              <a:t>=4&amp;p=1.0E-6</a:t>
+            </a:r>
+            <a:endParaRPr lang="pt-BR" dirty="0"/>
+          </a:p>
+        </p:txBody>
+      </p:sp>
+      <p:sp>
+        <p:nvSpPr>
+          <p:cNvPr id="4" name="Espaço Reservado para Número de Slide 3"/>
+          <p:cNvSpPr>
+            <a:spLocks noGrp="1"/>
+          </p:cNvSpPr>
+          <p:nvPr>
+            <p:ph type="sldNum" sz="quarter" idx="10"/>
+          </p:nvPr>
+        </p:nvSpPr>
+        <p:spPr/>
+        <p:txBody>
+          <a:bodyPr/>
+          <a:lstStyle/>
+          <a:p>
+            <a:fld id="{1B8A7A92-EAF3-4644-B1E0-7ADB80FD1147}" type="slidenum">
+              <a:rPr lang="pt-BR" smtClean="0"/>
+              <a:t>3</a:t>
+            </a:fld>
+            <a:endParaRPr lang="pt-BR"/>
+          </a:p>
+        </p:txBody>
+      </p:sp>
+    </p:spTree>
+    <p:extLst>
+      <p:ext uri="{BB962C8B-B14F-4D97-AF65-F5344CB8AC3E}">
+        <p14:creationId xmlns:p14="http://schemas.microsoft.com/office/powerpoint/2010/main" val="616599215"/>
+      </p:ext>
+    </p:extLst>
+  </p:cSld>
+  <p:clrMapOvr>
+    <a:masterClrMapping/>
+  </p:clrMapOvr>
+</p:notes>
+</file>
+
+<file path=ppt/notesSlides/notesSlide3.xml><?xml version="1.0" encoding="utf-8"?>
+<p:notes xmlns:a="http://schemas.openxmlformats.org/drawingml/2006/main" xmlns:r="http://schemas.openxmlformats.org/officeDocument/2006/relationships" xmlns:p="http://schemas.openxmlformats.org/presentationml/2006/main">
+  <p:cSld>
+    <p:spTree>
+      <p:nvGrpSpPr>
+        <p:cNvPr id="1" name=""/>
+        <p:cNvGrpSpPr/>
+        <p:nvPr/>
+      </p:nvGrpSpPr>
+      <p:grpSpPr>
+        <a:xfrm>
+          <a:off x="0" y="0"/>
+          <a:ext cx="0" cy="0"/>
+          <a:chOff x="0" y="0"/>
+          <a:chExt cx="0" cy="0"/>
+        </a:xfrm>
+      </p:grpSpPr>
+      <p:sp>
+        <p:nvSpPr>
+          <p:cNvPr id="2" name="Espaço Reservado para Imagem de Slide 1"/>
+          <p:cNvSpPr>
+            <a:spLocks noGrp="1" noRot="1" noChangeAspect="1"/>
+          </p:cNvSpPr>
+          <p:nvPr>
+            <p:ph type="sldImg"/>
+          </p:nvPr>
+        </p:nvSpPr>
+        <p:spPr/>
+      </p:sp>
+      <p:sp>
+        <p:nvSpPr>
+          <p:cNvPr id="3" name="Espaço Reservado para Anotações 2"/>
+          <p:cNvSpPr>
+            <a:spLocks noGrp="1"/>
+          </p:cNvSpPr>
+          <p:nvPr>
+            <p:ph type="body" idx="1"/>
+          </p:nvPr>
+        </p:nvSpPr>
+        <p:spPr/>
+        <p:txBody>
+          <a:bodyPr/>
+          <a:lstStyle/>
+          <a:p>
+            <a:endParaRPr lang="pt-BR"/>
+          </a:p>
+        </p:txBody>
+      </p:sp>
+      <p:sp>
+        <p:nvSpPr>
+          <p:cNvPr id="4" name="Espaço Reservado para Número de Slide 3"/>
+          <p:cNvSpPr>
+            <a:spLocks noGrp="1"/>
+          </p:cNvSpPr>
+          <p:nvPr>
+            <p:ph type="sldNum" sz="quarter" idx="10"/>
+          </p:nvPr>
+        </p:nvSpPr>
+        <p:spPr/>
+        <p:txBody>
+          <a:bodyPr/>
+          <a:lstStyle/>
+          <a:p>
+            <a:fld id="{1B8A7A92-EAF3-4644-B1E0-7ADB80FD1147}" type="slidenum">
+              <a:rPr lang="pt-BR" smtClean="0"/>
+              <a:t>6</a:t>
+            </a:fld>
+            <a:endParaRPr lang="pt-BR"/>
+          </a:p>
+        </p:txBody>
+      </p:sp>
+    </p:spTree>
+    <p:extLst>
+      <p:ext uri="{BB962C8B-B14F-4D97-AF65-F5344CB8AC3E}">
+        <p14:creationId xmlns:p14="http://schemas.microsoft.com/office/powerpoint/2010/main" val="547651178"/>
       </p:ext>
     </p:extLst>
   </p:cSld>
@@ -1152,7 +1346,7 @@
             <a:fld id="{4FAB73BC-B049-4115-A692-8D63A059BFB8}" type="slidenum">
               <a:rPr lang="en-US" smtClean="0"/>
               <a:pPr/>
-              <a:t>‹nº›</a:t>
+              <a:t>‹n.º›</a:t>
             </a:fld>
             <a:endParaRPr lang="en-US" dirty="0"/>
           </a:p>
@@ -1322,7 +1516,7 @@
           <a:p>
             <a:fld id="{4FAB73BC-B049-4115-A692-8D63A059BFB8}" type="slidenum">
               <a:rPr lang="en-US" smtClean="0"/>
-              <a:t>‹nº›</a:t>
+              <a:t>‹n.º›</a:t>
             </a:fld>
             <a:endParaRPr lang="en-US"/>
           </a:p>
@@ -1502,7 +1696,7 @@
           <a:p>
             <a:fld id="{4FAB73BC-B049-4115-A692-8D63A059BFB8}" type="slidenum">
               <a:rPr lang="en-US" smtClean="0"/>
-              <a:t>‹nº›</a:t>
+              <a:t>‹n.º›</a:t>
             </a:fld>
             <a:endParaRPr lang="en-US"/>
           </a:p>
@@ -1672,7 +1866,7 @@
           <a:p>
             <a:fld id="{4FAB73BC-B049-4115-A692-8D63A059BFB8}" type="slidenum">
               <a:rPr lang="en-US" smtClean="0"/>
-              <a:t>‹nº›</a:t>
+              <a:t>‹n.º›</a:t>
             </a:fld>
             <a:endParaRPr lang="en-US"/>
           </a:p>
@@ -2166,7 +2360,7 @@
             <a:fld id="{4FAB73BC-B049-4115-A692-8D63A059BFB8}" type="slidenum">
               <a:rPr lang="en-US" smtClean="0"/>
               <a:pPr/>
-              <a:t>‹nº›</a:t>
+              <a:t>‹n.º›</a:t>
             </a:fld>
             <a:endParaRPr lang="en-US" dirty="0"/>
           </a:p>
@@ -2454,7 +2648,7 @@
           <a:p>
             <a:fld id="{4FAB73BC-B049-4115-A692-8D63A059BFB8}" type="slidenum">
               <a:rPr lang="en-US" smtClean="0"/>
-              <a:t>‹nº›</a:t>
+              <a:t>‹n.º›</a:t>
             </a:fld>
             <a:endParaRPr lang="en-US"/>
           </a:p>
@@ -2865,7 +3059,7 @@
           <a:p>
             <a:fld id="{4FAB73BC-B049-4115-A692-8D63A059BFB8}" type="slidenum">
               <a:rPr lang="en-US" smtClean="0"/>
-              <a:t>‹nº›</a:t>
+              <a:t>‹n.º›</a:t>
             </a:fld>
             <a:endParaRPr lang="en-US"/>
           </a:p>
@@ -2983,7 +3177,7 @@
           <a:p>
             <a:fld id="{4FAB73BC-B049-4115-A692-8D63A059BFB8}" type="slidenum">
               <a:rPr lang="en-US" smtClean="0"/>
-              <a:t>‹nº›</a:t>
+              <a:t>‹n.º›</a:t>
             </a:fld>
             <a:endParaRPr lang="en-US"/>
           </a:p>
@@ -3101,7 +3295,7 @@
           <a:p>
             <a:fld id="{4FAB73BC-B049-4115-A692-8D63A059BFB8}" type="slidenum">
               <a:rPr lang="en-US" smtClean="0"/>
-              <a:t>‹nº›</a:t>
+              <a:t>‹n.º›</a:t>
             </a:fld>
             <a:endParaRPr lang="en-US"/>
           </a:p>
@@ -3622,7 +3816,7 @@
           <a:p>
             <a:fld id="{4FAB73BC-B049-4115-A692-8D63A059BFB8}" type="slidenum">
               <a:rPr lang="en-US" smtClean="0"/>
-              <a:t>‹nº›</a:t>
+              <a:t>‹n.º›</a:t>
             </a:fld>
             <a:endParaRPr lang="en-US"/>
           </a:p>
@@ -4110,7 +4304,7 @@
           <a:p>
             <a:fld id="{4FAB73BC-B049-4115-A692-8D63A059BFB8}" type="slidenum">
               <a:rPr lang="en-US" smtClean="0"/>
-              <a:t>‹nº›</a:t>
+              <a:t>‹n.º›</a:t>
             </a:fld>
             <a:endParaRPr lang="en-US"/>
           </a:p>
@@ -4518,7 +4712,7 @@
             <a:fld id="{4FAB73BC-B049-4115-A692-8D63A059BFB8}" type="slidenum">
               <a:rPr lang="en-US" smtClean="0"/>
               <a:pPr/>
-              <a:t>‹nº›</a:t>
+              <a:t>‹n.º›</a:t>
             </a:fld>
             <a:endParaRPr lang="en-US" dirty="0"/>
           </a:p>
@@ -5232,6 +5426,236 @@
           <a:lstStyle/>
           <a:p>
             <a:r>
+              <a:rPr lang="pt-BR" dirty="0" err="1" smtClean="0"/>
+              <a:t>K</a:t>
+            </a:r>
+            <a:r>
+              <a:rPr lang="pt-BR" dirty="0" smtClean="0"/>
+              <a:t> </a:t>
+            </a:r>
+            <a:r>
+              <a:rPr lang="pt-PT" dirty="0" smtClean="0"/>
+              <a:t>ótimo</a:t>
+            </a:r>
+            <a:endParaRPr lang="pt-BR" dirty="0"/>
+          </a:p>
+        </p:txBody>
+      </p:sp>
+      <p:sp>
+        <p:nvSpPr>
+          <p:cNvPr id="3" name="Espaço Reservado para Conteúdo 2"/>
+          <p:cNvSpPr>
+            <a:spLocks noGrp="1"/>
+          </p:cNvSpPr>
+          <p:nvPr>
+            <p:ph idx="1"/>
+          </p:nvPr>
+        </p:nvSpPr>
+        <p:spPr>
+          <a:xfrm>
+            <a:off x="1069848" y="2121408"/>
+            <a:ext cx="10058400" cy="4279392"/>
+          </a:xfrm>
+        </p:spPr>
+        <p:txBody>
+          <a:bodyPr>
+            <a:normAutofit fontScale="92500" lnSpcReduction="10000"/>
+          </a:bodyPr>
+          <a:lstStyle/>
+          <a:p>
+            <a:r>
+              <a:rPr lang="pt-BR" dirty="0" smtClean="0"/>
+              <a:t>O </a:t>
+            </a:r>
+            <a:r>
+              <a:rPr lang="pt-BR" dirty="0" err="1" smtClean="0"/>
+              <a:t>k</a:t>
+            </a:r>
+            <a:r>
+              <a:rPr lang="pt-BR" dirty="0" smtClean="0"/>
+              <a:t>-</a:t>
+            </a:r>
+            <a:r>
+              <a:rPr lang="pt-PT" dirty="0" smtClean="0"/>
+              <a:t>ótimo é o </a:t>
+            </a:r>
+            <a:r>
+              <a:rPr lang="pt-PT" i="1" dirty="0" smtClean="0"/>
+              <a:t>melhor</a:t>
+            </a:r>
+            <a:r>
+              <a:rPr lang="pt-PT" dirty="0" smtClean="0"/>
+              <a:t> número de </a:t>
+            </a:r>
+            <a:r>
+              <a:rPr lang="pt-PT" dirty="0" err="1" smtClean="0"/>
+              <a:t>HashFunctions</a:t>
+            </a:r>
+            <a:r>
+              <a:rPr lang="pt-PT" dirty="0" smtClean="0"/>
+              <a:t> a ser aplicadas.</a:t>
+            </a:r>
+          </a:p>
+          <a:p>
+            <a:pPr marL="0" indent="0">
+              <a:buNone/>
+            </a:pPr>
+            <a:endParaRPr lang="pt-PT" dirty="0"/>
+          </a:p>
+          <a:p>
+            <a:r>
+              <a:rPr lang="pt-PT" dirty="0" smtClean="0"/>
+              <a:t>O K-Ótimo foi calculado através da seguinte expressão:</a:t>
+            </a:r>
+          </a:p>
+          <a:p>
+            <a:endParaRPr lang="pt-PT" dirty="0"/>
+          </a:p>
+          <a:p>
+            <a:endParaRPr lang="pt-PT" dirty="0" smtClean="0"/>
+          </a:p>
+          <a:p>
+            <a:endParaRPr lang="pt-PT" dirty="0"/>
+          </a:p>
+          <a:p>
+            <a:endParaRPr lang="pt-PT" dirty="0" smtClean="0"/>
+          </a:p>
+          <a:p>
+            <a:r>
+              <a:rPr lang="pt-PT" dirty="0" smtClean="0"/>
+              <a:t>K – nº de </a:t>
+            </a:r>
+            <a:r>
+              <a:rPr lang="pt-PT" dirty="0" err="1" smtClean="0"/>
+              <a:t>HashFunctions</a:t>
+            </a:r>
+            <a:endParaRPr lang="pt-PT" dirty="0" smtClean="0"/>
+          </a:p>
+          <a:p>
+            <a:r>
+              <a:rPr lang="pt-PT" dirty="0" smtClean="0"/>
+              <a:t>N – número de elementos a inserir no </a:t>
+            </a:r>
+            <a:r>
+              <a:rPr lang="pt-PT" dirty="0" err="1" smtClean="0"/>
+              <a:t>Bloom</a:t>
+            </a:r>
+            <a:r>
+              <a:rPr lang="pt-PT" dirty="0" smtClean="0"/>
+              <a:t> </a:t>
+            </a:r>
+            <a:r>
+              <a:rPr lang="pt-PT" dirty="0" err="1" smtClean="0"/>
+              <a:t>Filter</a:t>
+            </a:r>
+            <a:endParaRPr lang="pt-PT" dirty="0" smtClean="0"/>
+          </a:p>
+          <a:p>
+            <a:r>
+              <a:rPr lang="pt-PT" dirty="0" smtClean="0"/>
+              <a:t>M – número de bits do </a:t>
+            </a:r>
+            <a:r>
+              <a:rPr lang="pt-PT" dirty="0" err="1" smtClean="0"/>
+              <a:t>Bloom</a:t>
+            </a:r>
+            <a:r>
+              <a:rPr lang="pt-PT" dirty="0" smtClean="0"/>
+              <a:t> </a:t>
+            </a:r>
+            <a:r>
+              <a:rPr lang="pt-PT" dirty="0" err="1" smtClean="0"/>
+              <a:t>Filter</a:t>
+            </a:r>
+            <a:endParaRPr lang="pt-PT" dirty="0" smtClean="0"/>
+          </a:p>
+          <a:p>
+            <a:r>
+              <a:rPr lang="pt-PT" dirty="0" smtClean="0"/>
+              <a:t>P – probabilidade de falsos positivos</a:t>
+            </a:r>
+          </a:p>
+          <a:p>
+            <a:endParaRPr lang="pt-BR" dirty="0"/>
+          </a:p>
+        </p:txBody>
+      </p:sp>
+      <p:pic>
+        <p:nvPicPr>
+          <p:cNvPr id="4" name="Imagem 3"/>
+          <p:cNvPicPr>
+            <a:picLocks noChangeAspect="1"/>
+          </p:cNvPicPr>
+          <p:nvPr/>
+        </p:nvPicPr>
+        <p:blipFill>
+          <a:blip r:embed="rId3">
+            <a:extLst>
+              <a:ext uri="{28A0092B-C50C-407E-A947-70E740481C1C}">
+                <a14:useLocalDpi xmlns:a14="http://schemas.microsoft.com/office/drawing/2010/main" val="0"/>
+              </a:ext>
+            </a:extLst>
+          </a:blip>
+          <a:stretch>
+            <a:fillRect/>
+          </a:stretch>
+        </p:blipFill>
+        <p:spPr>
+          <a:xfrm>
+            <a:off x="1069848" y="3538791"/>
+            <a:ext cx="10875393" cy="1216025"/>
+          </a:xfrm>
+          <a:prstGeom prst="rect">
+            <a:avLst/>
+          </a:prstGeom>
+        </p:spPr>
+      </p:pic>
+    </p:spTree>
+    <p:extLst>
+      <p:ext uri="{BB962C8B-B14F-4D97-AF65-F5344CB8AC3E}">
+        <p14:creationId xmlns:p14="http://schemas.microsoft.com/office/powerpoint/2010/main" val="217502232"/>
+      </p:ext>
+    </p:extLst>
+  </p:cSld>
+  <p:clrMapOvr>
+    <a:masterClrMapping/>
+  </p:clrMapOvr>
+</p:sld>
+</file>
+
+<file path=ppt/slides/slide4.xml><?xml version="1.0" encoding="utf-8"?>
+<p:sld xmlns:a="http://schemas.openxmlformats.org/drawingml/2006/main" xmlns:r="http://schemas.openxmlformats.org/officeDocument/2006/relationships" xmlns:p="http://schemas.openxmlformats.org/presentationml/2006/main">
+  <p:cSld>
+    <p:spTree>
+      <p:nvGrpSpPr>
+        <p:cNvPr id="1" name=""/>
+        <p:cNvGrpSpPr/>
+        <p:nvPr/>
+      </p:nvGrpSpPr>
+      <p:grpSpPr>
+        <a:xfrm>
+          <a:off x="0" y="0"/>
+          <a:ext cx="0" cy="0"/>
+          <a:chOff x="0" y="0"/>
+          <a:chExt cx="0" cy="0"/>
+        </a:xfrm>
+      </p:grpSpPr>
+      <p:sp>
+        <p:nvSpPr>
+          <p:cNvPr id="2" name="Título 1"/>
+          <p:cNvSpPr>
+            <a:spLocks noGrp="1"/>
+          </p:cNvSpPr>
+          <p:nvPr>
+            <p:ph type="title"/>
+          </p:nvPr>
+        </p:nvSpPr>
+        <p:spPr/>
+        <p:txBody>
+          <a:bodyPr/>
+          <a:lstStyle/>
+          <a:p>
+            <a:r>
               <a:rPr lang="pt-BR" dirty="0" smtClean="0"/>
               <a:t>Uso do </a:t>
             </a:r>
@@ -5276,47 +5700,26 @@
             </a:r>
             <a:r>
               <a:rPr lang="pt-PT" dirty="0" smtClean="0"/>
-              <a:t>é utilizado para mostrar a similaridade entre utilizadores em relação aos livros </a:t>
-            </a:r>
+              <a:t>é utilizado para mostrar a similaridade entre utilizadores em relação aos livros requisitados.</a:t>
+            </a:r>
+          </a:p>
+          <a:p>
+            <a:endParaRPr lang="pt-PT" dirty="0"/>
+          </a:p>
+          <a:p>
+            <a:endParaRPr lang="pt-PT" dirty="0" smtClean="0"/>
+          </a:p>
+          <a:p>
+            <a:endParaRPr lang="pt-PT" dirty="0"/>
+          </a:p>
+          <a:p>
             <a:r>
               <a:rPr lang="pt-PT" dirty="0" smtClean="0"/>
-              <a:t>requisitados.</a:t>
-            </a:r>
-            <a:endParaRPr lang="pt-PT" dirty="0" smtClean="0"/>
-          </a:p>
-          <a:p>
-            <a:endParaRPr lang="pt-PT" dirty="0"/>
-          </a:p>
-          <a:p>
-            <a:endParaRPr lang="pt-PT" dirty="0" smtClean="0"/>
-          </a:p>
-          <a:p>
-            <a:endParaRPr lang="pt-PT" dirty="0"/>
-          </a:p>
-          <a:p>
-            <a:r>
-              <a:rPr lang="pt-PT" dirty="0" smtClean="0"/>
-              <a:t>------ GRÁFICO DE ERRO </a:t>
-            </a:r>
-            <a:r>
-              <a:rPr lang="pt-PT" dirty="0" smtClean="0"/>
-              <a:t>DISTANCIA JACCARD</a:t>
-            </a:r>
-            <a:r>
-              <a:rPr lang="pt-PT" dirty="0" smtClean="0"/>
-              <a:t> </a:t>
-            </a:r>
-            <a:r>
-              <a:rPr lang="pt-PT" dirty="0" smtClean="0"/>
-              <a:t>TEÓRICO </a:t>
-            </a:r>
-            <a:r>
-              <a:rPr lang="pt-PT" smtClean="0"/>
-              <a:t>VS </a:t>
-            </a:r>
-            <a:r>
-              <a:rPr lang="pt-PT" smtClean="0"/>
-              <a:t>MIN-HASH </a:t>
+              <a:t>------ GRÁFICO DE ERRO DISTANCIA JACCARD TEÓRICO </a:t>
+            </a:r>
+            <a:r>
+              <a:rPr lang="pt-PT" smtClean="0"/>
+              <a:t>VS MIN-HASH </a:t>
             </a:r>
             <a:r>
               <a:rPr lang="pt-PT" dirty="0" smtClean="0"/>
@@ -5346,7 +5749,7 @@
 </p:sld>
 </file>
 
-<file path=ppt/slides/slide4.xml><?xml version="1.0" encoding="utf-8"?>
+<file path=ppt/slides/slide5.xml><?xml version="1.0" encoding="utf-8"?>
 <p:sld xmlns:a="http://schemas.openxmlformats.org/drawingml/2006/main" xmlns:r="http://schemas.openxmlformats.org/officeDocument/2006/relationships" xmlns:p="http://schemas.openxmlformats.org/presentationml/2006/main">
   <p:cSld>
     <p:spTree>
@@ -5711,13 +6114,8 @@
           <a:p>
             <a:r>
               <a:rPr lang="pt-PT" dirty="0" smtClean="0"/>
-              <a:t>Caso o livro exista e portanto possa ser requisitado, </a:t>
-            </a:r>
-            <a:r>
-              <a:rPr lang="pt-PT" dirty="0" smtClean="0"/>
-              <a:t>é dado ao utilizador sugestões de livros semelhantes que possam despertar o interesse do utilizador para ler mais tarde.</a:t>
-            </a:r>
-            <a:endParaRPr lang="pt-PT" dirty="0" smtClean="0"/>
+              <a:t>Caso o livro exista e portanto possa ser requisitado, é dado ao utilizador sugestões de livros semelhantes que possam despertar o interesse do utilizador para ler mais tarde.</a:t>
+            </a:r>
           </a:p>
         </p:txBody>
       </p:sp>
@@ -5738,6 +6136,94 @@
       </p:par>
     </p:tnLst>
   </p:timing>
+</p:sld>
+</file>
+
+<file path=ppt/slides/slide6.xml><?xml version="1.0" encoding="utf-8"?>
+<p:sld xmlns:a="http://schemas.openxmlformats.org/drawingml/2006/main" xmlns:r="http://schemas.openxmlformats.org/officeDocument/2006/relationships" xmlns:p="http://schemas.openxmlformats.org/presentationml/2006/main">
+  <p:cSld>
+    <p:spTree>
+      <p:nvGrpSpPr>
+        <p:cNvPr id="1" name=""/>
+        <p:cNvGrpSpPr/>
+        <p:nvPr/>
+      </p:nvGrpSpPr>
+      <p:grpSpPr>
+        <a:xfrm>
+          <a:off x="0" y="0"/>
+          <a:ext cx="0" cy="0"/>
+          <a:chOff x="0" y="0"/>
+          <a:chExt cx="0" cy="0"/>
+        </a:xfrm>
+      </p:grpSpPr>
+      <p:sp>
+        <p:nvSpPr>
+          <p:cNvPr id="2" name="Título 1"/>
+          <p:cNvSpPr>
+            <a:spLocks noGrp="1"/>
+          </p:cNvSpPr>
+          <p:nvPr>
+            <p:ph type="title"/>
+          </p:nvPr>
+        </p:nvSpPr>
+        <p:spPr/>
+        <p:txBody>
+          <a:bodyPr/>
+          <a:lstStyle/>
+          <a:p>
+            <a:r>
+              <a:rPr lang="pt-BR" dirty="0" smtClean="0"/>
+              <a:t>Como funciona?</a:t>
+            </a:r>
+            <a:endParaRPr lang="pt-BR" dirty="0"/>
+          </a:p>
+        </p:txBody>
+      </p:sp>
+      <p:sp>
+        <p:nvSpPr>
+          <p:cNvPr id="3" name="Espaço Reservado para Conteúdo 2"/>
+          <p:cNvSpPr>
+            <a:spLocks noGrp="1"/>
+          </p:cNvSpPr>
+          <p:nvPr>
+            <p:ph idx="1"/>
+          </p:nvPr>
+        </p:nvSpPr>
+        <p:spPr/>
+        <p:txBody>
+          <a:bodyPr/>
+          <a:lstStyle/>
+          <a:p>
+            <a:r>
+              <a:rPr lang="pt-BR" dirty="0" smtClean="0"/>
+              <a:t>Ao longo das </a:t>
+            </a:r>
+            <a:r>
+              <a:rPr lang="pt-BR" dirty="0" err="1" smtClean="0"/>
+              <a:t>requisiç</a:t>
+            </a:r>
+            <a:r>
+              <a:rPr lang="pt-PT" dirty="0" err="1" smtClean="0"/>
+              <a:t>ões</a:t>
+            </a:r>
+            <a:r>
+              <a:rPr lang="pt-PT" dirty="0" smtClean="0"/>
+              <a:t>, vai  sendo adicionado à base de dados o ID do utilizador e o respetivo livro requisitado. </a:t>
+            </a:r>
+            <a:endParaRPr lang="pt-BR" dirty="0"/>
+          </a:p>
+        </p:txBody>
+      </p:sp>
+    </p:spTree>
+    <p:extLst>
+      <p:ext uri="{BB962C8B-B14F-4D97-AF65-F5344CB8AC3E}">
+        <p14:creationId xmlns:p14="http://schemas.microsoft.com/office/powerpoint/2010/main" val="1566869521"/>
+      </p:ext>
+    </p:extLst>
+  </p:cSld>
+  <p:clrMapOvr>
+    <a:masterClrMapping/>
+  </p:clrMapOvr>
 </p:sld>
 </file>
 

--- a/Apresentação1.pptx
+++ b/Apresentação1.pptx
@@ -372,7 +372,7 @@
           <a:p>
             <a:fld id="{1B8A7A92-EAF3-4644-B1E0-7ADB80FD1147}" type="slidenum">
               <a:rPr lang="pt-BR" smtClean="0"/>
-              <a:t>‹n.º›</a:t>
+              <a:t>‹nº›</a:t>
             </a:fld>
             <a:endParaRPr lang="pt-BR"/>
           </a:p>
@@ -1034,7 +1034,7 @@
               <a:avLst/>
             </a:prstGeom>
             <a:blipFill dpi="0" rotWithShape="1">
-              <a:blip r:embed="rId4">
+              <a:blip r:embed="rId2">
                 <a:duotone>
                   <a:schemeClr val="accent1">
                     <a:shade val="45000"/>
@@ -1045,7 +1045,7 @@
                 <a:extLst>
                   <a:ext uri="{BEBA8EAE-BF5A-486C-A8C5-ECC9F3942E4B}">
                     <a14:imgProps xmlns:a14="http://schemas.microsoft.com/office/drawing/2010/main">
-                      <a14:imgLayer r:embed="rId5">
+                      <a14:imgLayer r:embed="rId3">
                         <a14:imgEffect>
                           <a14:saturation sat="95000"/>
                         </a14:imgEffect>
@@ -1190,7 +1190,7 @@
               </a:lnSpc>
               <a:defRPr sz="9600" cap="all" baseline="0">
                 <a:blipFill dpi="0" rotWithShape="1">
-                  <a:blip r:embed="rId4"/>
+                  <a:blip r:embed="rId2"/>
                   <a:srcRect/>
                   <a:tile tx="6350" ty="-127000" sx="65000" sy="64000" flip="none" algn="tl"/>
                 </a:blipFill>
@@ -1346,7 +1346,7 @@
             <a:fld id="{4FAB73BC-B049-4115-A692-8D63A059BFB8}" type="slidenum">
               <a:rPr lang="en-US" smtClean="0"/>
               <a:pPr/>
-              <a:t>‹n.º›</a:t>
+              <a:t>‹nº›</a:t>
             </a:fld>
             <a:endParaRPr lang="en-US" dirty="0"/>
           </a:p>
@@ -1516,7 +1516,7 @@
           <a:p>
             <a:fld id="{4FAB73BC-B049-4115-A692-8D63A059BFB8}" type="slidenum">
               <a:rPr lang="en-US" smtClean="0"/>
-              <a:t>‹n.º›</a:t>
+              <a:t>‹nº›</a:t>
             </a:fld>
             <a:endParaRPr lang="en-US"/>
           </a:p>
@@ -1696,7 +1696,7 @@
           <a:p>
             <a:fld id="{4FAB73BC-B049-4115-A692-8D63A059BFB8}" type="slidenum">
               <a:rPr lang="en-US" smtClean="0"/>
-              <a:t>‹n.º›</a:t>
+              <a:t>‹nº›</a:t>
             </a:fld>
             <a:endParaRPr lang="en-US"/>
           </a:p>
@@ -1866,7 +1866,7 @@
           <a:p>
             <a:fld id="{4FAB73BC-B049-4115-A692-8D63A059BFB8}" type="slidenum">
               <a:rPr lang="en-US" smtClean="0"/>
-              <a:t>‹n.º›</a:t>
+              <a:t>‹nº›</a:t>
             </a:fld>
             <a:endParaRPr lang="en-US"/>
           </a:p>
@@ -2204,7 +2204,7 @@
               <a:avLst/>
             </a:prstGeom>
             <a:blipFill dpi="0" rotWithShape="1">
-              <a:blip r:embed="rId4">
+              <a:blip r:embed="rId2">
                 <a:duotone>
                   <a:schemeClr val="accent1">
                     <a:shade val="45000"/>
@@ -2215,7 +2215,7 @@
                 <a:extLst>
                   <a:ext uri="{BEBA8EAE-BF5A-486C-A8C5-ECC9F3942E4B}">
                     <a14:imgProps xmlns:a14="http://schemas.microsoft.com/office/drawing/2010/main">
-                      <a14:imgLayer r:embed="rId5">
+                      <a14:imgLayer r:embed="rId3">
                         <a14:imgEffect>
                           <a14:saturation sat="95000"/>
                         </a14:imgEffect>
@@ -2360,7 +2360,7 @@
             <a:fld id="{4FAB73BC-B049-4115-A692-8D63A059BFB8}" type="slidenum">
               <a:rPr lang="en-US" smtClean="0"/>
               <a:pPr/>
-              <a:t>‹n.º›</a:t>
+              <a:t>‹nº›</a:t>
             </a:fld>
             <a:endParaRPr lang="en-US" dirty="0"/>
           </a:p>
@@ -2648,7 +2648,7 @@
           <a:p>
             <a:fld id="{4FAB73BC-B049-4115-A692-8D63A059BFB8}" type="slidenum">
               <a:rPr lang="en-US" smtClean="0"/>
-              <a:t>‹n.º›</a:t>
+              <a:t>‹nº›</a:t>
             </a:fld>
             <a:endParaRPr lang="en-US"/>
           </a:p>
@@ -3059,7 +3059,7 @@
           <a:p>
             <a:fld id="{4FAB73BC-B049-4115-A692-8D63A059BFB8}" type="slidenum">
               <a:rPr lang="en-US" smtClean="0"/>
-              <a:t>‹n.º›</a:t>
+              <a:t>‹nº›</a:t>
             </a:fld>
             <a:endParaRPr lang="en-US"/>
           </a:p>
@@ -3177,7 +3177,7 @@
           <a:p>
             <a:fld id="{4FAB73BC-B049-4115-A692-8D63A059BFB8}" type="slidenum">
               <a:rPr lang="en-US" smtClean="0"/>
-              <a:t>‹n.º›</a:t>
+              <a:t>‹nº›</a:t>
             </a:fld>
             <a:endParaRPr lang="en-US"/>
           </a:p>
@@ -3295,7 +3295,7 @@
           <a:p>
             <a:fld id="{4FAB73BC-B049-4115-A692-8D63A059BFB8}" type="slidenum">
               <a:rPr lang="en-US" smtClean="0"/>
-              <a:t>‹n.º›</a:t>
+              <a:t>‹nº›</a:t>
             </a:fld>
             <a:endParaRPr lang="en-US"/>
           </a:p>
@@ -3667,7 +3667,7 @@
               <a:avLst/>
             </a:prstGeom>
             <a:blipFill dpi="0" rotWithShape="1">
-              <a:blip r:embed="rId4">
+              <a:blip r:embed="rId2">
                 <a:duotone>
                   <a:schemeClr val="accent1">
                     <a:shade val="45000"/>
@@ -3678,7 +3678,7 @@
                 <a:extLst>
                   <a:ext uri="{BEBA8EAE-BF5A-486C-A8C5-ECC9F3942E4B}">
                     <a14:imgProps xmlns:a14="http://schemas.microsoft.com/office/drawing/2010/main">
-                      <a14:imgLayer r:embed="rId5">
+                      <a14:imgLayer r:embed="rId3">
                         <a14:imgEffect>
                           <a14:saturation sat="95000"/>
                         </a14:imgEffect>
@@ -3816,7 +3816,7 @@
           <a:p>
             <a:fld id="{4FAB73BC-B049-4115-A692-8D63A059BFB8}" type="slidenum">
               <a:rPr lang="en-US" smtClean="0"/>
-              <a:t>‹n.º›</a:t>
+              <a:t>‹nº›</a:t>
             </a:fld>
             <a:endParaRPr lang="en-US"/>
           </a:p>
@@ -4155,7 +4155,7 @@
               <a:avLst/>
             </a:prstGeom>
             <a:blipFill dpi="0" rotWithShape="1">
-              <a:blip r:embed="rId4">
+              <a:blip r:embed="rId2">
                 <a:duotone>
                   <a:schemeClr val="accent1">
                     <a:shade val="45000"/>
@@ -4166,7 +4166,7 @@
                 <a:extLst>
                   <a:ext uri="{BEBA8EAE-BF5A-486C-A8C5-ECC9F3942E4B}">
                     <a14:imgProps xmlns:a14="http://schemas.microsoft.com/office/drawing/2010/main">
-                      <a14:imgLayer r:embed="rId5">
+                      <a14:imgLayer r:embed="rId3">
                         <a14:imgEffect>
                           <a14:saturation sat="95000"/>
                         </a14:imgEffect>
@@ -4304,7 +4304,7 @@
           <a:p>
             <a:fld id="{4FAB73BC-B049-4115-A692-8D63A059BFB8}" type="slidenum">
               <a:rPr lang="en-US" smtClean="0"/>
-              <a:t>‹n.º›</a:t>
+              <a:t>‹nº›</a:t>
             </a:fld>
             <a:endParaRPr lang="en-US"/>
           </a:p>
@@ -4712,7 +4712,7 @@
             <a:fld id="{4FAB73BC-B049-4115-A692-8D63A059BFB8}" type="slidenum">
               <a:rPr lang="en-US" smtClean="0"/>
               <a:pPr/>
-              <a:t>‹n.º›</a:t>
+              <a:t>‹nº›</a:t>
             </a:fld>
             <a:endParaRPr lang="en-US" dirty="0"/>
           </a:p>
@@ -4752,7 +4752,7 @@
         <a:buNone/>
         <a:defRPr sz="5400" kern="1200" cap="all" baseline="0">
           <a:blipFill>
-            <a:blip r:embed="rId15">
+            <a:blip r:embed="rId13">
               <a:extLst>
                 <a:ext uri="{28A0092B-C50C-407E-A947-70E740481C1C}">
                   <a14:useLocalDpi xmlns:a14="http://schemas.microsoft.com/office/drawing/2010/main" val="0"/>
@@ -5620,6 +5620,13 @@
   <p:clrMapOvr>
     <a:masterClrMapping/>
   </p:clrMapOvr>
+  <p:timing>
+    <p:tnLst>
+      <p:par>
+        <p:cTn id="1" dur="indefinite" restart="never" nodeType="tmRoot"/>
+      </p:par>
+    </p:tnLst>
+  </p:timing>
 </p:sld>
 </file>
 
@@ -5681,7 +5688,12 @@
             <p:ph idx="1"/>
           </p:nvPr>
         </p:nvSpPr>
-        <p:spPr/>
+        <p:spPr>
+          <a:xfrm>
+            <a:off x="1069848" y="2121408"/>
+            <a:ext cx="10058400" cy="828269"/>
+          </a:xfrm>
+        </p:spPr>
         <p:txBody>
           <a:bodyPr/>
           <a:lstStyle/>
@@ -5710,25 +5722,43 @@
             <a:endParaRPr lang="pt-PT" dirty="0" smtClean="0"/>
           </a:p>
           <a:p>
+            <a:pPr marL="0" indent="0">
+              <a:buNone/>
+            </a:pPr>
             <a:endParaRPr lang="pt-PT" dirty="0"/>
           </a:p>
-          <a:p>
-            <a:r>
-              <a:rPr lang="pt-PT" dirty="0" smtClean="0"/>
-              <a:t>------ GRÁFICO DE ERRO DISTANCIA JACCARD TEÓRICO </a:t>
-            </a:r>
-            <a:r>
-              <a:rPr lang="pt-PT" smtClean="0"/>
-              <a:t>VS MIN-HASH </a:t>
-            </a:r>
-            <a:r>
-              <a:rPr lang="pt-PT" dirty="0" smtClean="0"/>
-              <a:t>-------</a:t>
-            </a:r>
-            <a:endParaRPr lang="pt-BR" dirty="0"/>
-          </a:p>
-        </p:txBody>
-      </p:sp>
+        </p:txBody>
+      </p:sp>
+      <p:pic>
+        <p:nvPicPr>
+          <p:cNvPr id="4" name="Imagem 3"/>
+          <p:cNvPicPr>
+            <a:picLocks noChangeAspect="1"/>
+          </p:cNvPicPr>
+          <p:nvPr/>
+        </p:nvPicPr>
+        <p:blipFill>
+          <a:blip r:embed="rId2">
+            <a:extLst>
+              <a:ext uri="{28A0092B-C50C-407E-A947-70E740481C1C}">
+                <a14:useLocalDpi xmlns:a14="http://schemas.microsoft.com/office/drawing/2010/main" val="0"/>
+              </a:ext>
+            </a:extLst>
+          </a:blip>
+          <a:stretch>
+            <a:fillRect/>
+          </a:stretch>
+        </p:blipFill>
+        <p:spPr>
+          <a:xfrm>
+            <a:off x="3412671" y="2949677"/>
+            <a:ext cx="5110843" cy="3703091"/>
+          </a:xfrm>
+          <a:prstGeom prst="rect">
+            <a:avLst/>
+          </a:prstGeom>
+        </p:spPr>
+      </p:pic>
     </p:spTree>
     <p:extLst>
       <p:ext uri="{BB962C8B-B14F-4D97-AF65-F5344CB8AC3E}">
@@ -5827,7 +5857,7 @@
           <p:nvPr/>
         </p:nvPicPr>
         <p:blipFill>
-          <a:blip r:embed="rId3">
+          <a:blip r:embed="rId2">
             <a:extLst>
               <a:ext uri="{28A0092B-C50C-407E-A947-70E740481C1C}">
                 <a14:useLocalDpi xmlns:a14="http://schemas.microsoft.com/office/drawing/2010/main" val="0"/>

--- a/Apresentação1.pptx
+++ b/Apresentação1.pptx
@@ -5,15 +5,18 @@
     <p:sldMasterId id="2147483840" r:id="rId1"/>
   </p:sldMasterIdLst>
   <p:notesMasterIdLst>
-    <p:notesMasterId r:id="rId8"/>
+    <p:notesMasterId r:id="rId11"/>
   </p:notesMasterIdLst>
   <p:sldIdLst>
     <p:sldId id="256" r:id="rId2"/>
     <p:sldId id="257" r:id="rId3"/>
     <p:sldId id="261" r:id="rId4"/>
     <p:sldId id="258" r:id="rId5"/>
-    <p:sldId id="259" r:id="rId6"/>
-    <p:sldId id="260" r:id="rId7"/>
+    <p:sldId id="263" r:id="rId6"/>
+    <p:sldId id="264" r:id="rId7"/>
+    <p:sldId id="259" r:id="rId8"/>
+    <p:sldId id="262" r:id="rId9"/>
+    <p:sldId id="265" r:id="rId10"/>
   </p:sldIdLst>
   <p:sldSz cx="12192000" cy="6858000"/>
   <p:notesSz cx="6858000" cy="9144000"/>
@@ -213,7 +216,7 @@
           <a:p>
             <a:fld id="{789B97F0-76AB-6C49-822A-2A5831DEB5CB}" type="datetimeFigureOut">
               <a:rPr lang="pt-BR" smtClean="0"/>
-              <a:t>12/12/15</a:t>
+              <a:t>14/12/15</a:t>
             </a:fld>
             <a:endParaRPr lang="pt-BR"/>
           </a:p>
@@ -372,7 +375,7 @@
           <a:p>
             <a:fld id="{1B8A7A92-EAF3-4644-B1E0-7ADB80FD1147}" type="slidenum">
               <a:rPr lang="pt-BR" smtClean="0"/>
-              <a:t>‹nº›</a:t>
+              <a:t>‹n.º›</a:t>
             </a:fld>
             <a:endParaRPr lang="pt-BR"/>
           </a:p>
@@ -620,7 +623,7 @@
       </p:grpSpPr>
       <p:sp>
         <p:nvSpPr>
-          <p:cNvPr id="2" name="Espaço Reservado para Imagem de Slide 1"/>
+          <p:cNvPr id="2" name="Marcador de Posição da Imagem do Diapositivo 1"/>
           <p:cNvSpPr>
             <a:spLocks noGrp="1" noRot="1" noChangeAspect="1"/>
           </p:cNvSpPr>
@@ -632,7 +635,7 @@
       </p:sp>
       <p:sp>
         <p:nvSpPr>
-          <p:cNvPr id="3" name="Espaço Reservado para Anotações 2"/>
+          <p:cNvPr id="3" name="Marcador de Posição de Notas 2"/>
           <p:cNvSpPr>
             <a:spLocks noGrp="1"/>
           </p:cNvSpPr>
@@ -675,7 +678,7 @@
       </p:sp>
       <p:sp>
         <p:nvSpPr>
-          <p:cNvPr id="4" name="Espaço Reservado para Número de Slide 3"/>
+          <p:cNvPr id="4" name="Marcador de Posição do Número do Diapositivo 3"/>
           <p:cNvSpPr>
             <a:spLocks noGrp="1"/>
           </p:cNvSpPr>
@@ -699,7 +702,7 @@
     </p:spTree>
     <p:extLst>
       <p:ext uri="{BB962C8B-B14F-4D97-AF65-F5344CB8AC3E}">
-        <p14:creationId xmlns:p14="http://schemas.microsoft.com/office/powerpoint/2010/main" val="616599215"/>
+        <p14:creationId xmlns:p14="http://schemas.microsoft.com/office/powerpoint/2010/main" val="526480195"/>
       </p:ext>
     </p:extLst>
   </p:cSld>
@@ -728,7 +731,7 @@
       </p:grpSpPr>
       <p:sp>
         <p:nvSpPr>
-          <p:cNvPr id="2" name="Espaço Reservado para Imagem de Slide 1"/>
+          <p:cNvPr id="2" name="Marcador de Posição da Imagem do Diapositivo 1"/>
           <p:cNvSpPr>
             <a:spLocks noGrp="1" noRot="1" noChangeAspect="1"/>
           </p:cNvSpPr>
@@ -740,7 +743,7 @@
       </p:sp>
       <p:sp>
         <p:nvSpPr>
-          <p:cNvPr id="3" name="Espaço Reservado para Anotações 2"/>
+          <p:cNvPr id="3" name="Marcador de Posição de Notas 2"/>
           <p:cNvSpPr>
             <a:spLocks noGrp="1"/>
           </p:cNvSpPr>
@@ -753,13 +756,13 @@
           <a:bodyPr/>
           <a:lstStyle/>
           <a:p>
-            <a:endParaRPr lang="pt-BR"/>
-          </a:p>
-        </p:txBody>
-      </p:sp>
-      <p:sp>
-        <p:nvSpPr>
-          <p:cNvPr id="4" name="Espaço Reservado para Número de Slide 3"/>
+            <a:endParaRPr lang="pt-PT" dirty="0"/>
+          </a:p>
+        </p:txBody>
+      </p:sp>
+      <p:sp>
+        <p:nvSpPr>
+          <p:cNvPr id="4" name="Marcador de Posição do Número do Diapositivo 3"/>
           <p:cNvSpPr>
             <a:spLocks noGrp="1"/>
           </p:cNvSpPr>
@@ -774,7 +777,7 @@
           <a:p>
             <a:fld id="{1B8A7A92-EAF3-4644-B1E0-7ADB80FD1147}" type="slidenum">
               <a:rPr lang="pt-BR" smtClean="0"/>
-              <a:t>6</a:t>
+              <a:t>7</a:t>
             </a:fld>
             <a:endParaRPr lang="pt-BR"/>
           </a:p>
@@ -783,7 +786,7 @@
     </p:spTree>
     <p:extLst>
       <p:ext uri="{BB962C8B-B14F-4D97-AF65-F5344CB8AC3E}">
-        <p14:creationId xmlns:p14="http://schemas.microsoft.com/office/powerpoint/2010/main" val="547651178"/>
+        <p14:creationId xmlns:p14="http://schemas.microsoft.com/office/powerpoint/2010/main" val="1493550084"/>
       </p:ext>
     </p:extLst>
   </p:cSld>
@@ -1034,7 +1037,7 @@
               <a:avLst/>
             </a:prstGeom>
             <a:blipFill dpi="0" rotWithShape="1">
-              <a:blip r:embed="rId2">
+              <a:blip r:embed="rId4">
                 <a:duotone>
                   <a:schemeClr val="accent1">
                     <a:shade val="45000"/>
@@ -1045,7 +1048,7 @@
                 <a:extLst>
                   <a:ext uri="{BEBA8EAE-BF5A-486C-A8C5-ECC9F3942E4B}">
                     <a14:imgProps xmlns:a14="http://schemas.microsoft.com/office/drawing/2010/main">
-                      <a14:imgLayer r:embed="rId3">
+                      <a14:imgLayer r:embed="rId5">
                         <a14:imgEffect>
                           <a14:saturation sat="95000"/>
                         </a14:imgEffect>
@@ -1190,7 +1193,7 @@
               </a:lnSpc>
               <a:defRPr sz="9600" cap="all" baseline="0">
                 <a:blipFill dpi="0" rotWithShape="1">
-                  <a:blip r:embed="rId2"/>
+                  <a:blip r:embed="rId4"/>
                   <a:srcRect/>
                   <a:tile tx="6350" ty="-127000" sx="65000" sy="64000" flip="none" algn="tl"/>
                 </a:blipFill>
@@ -1294,7 +1297,7 @@
           <a:p>
             <a:fld id="{83284890-85D2-4D7B-8EF5-15A9C1DB8F42}" type="datetimeFigureOut">
               <a:rPr lang="en-US" smtClean="0"/>
-              <a:t>12/12/15</a:t>
+              <a:t>12/14/15</a:t>
             </a:fld>
             <a:endParaRPr lang="en-US"/>
           </a:p>
@@ -1346,7 +1349,7 @@
             <a:fld id="{4FAB73BC-B049-4115-A692-8D63A059BFB8}" type="slidenum">
               <a:rPr lang="en-US" smtClean="0"/>
               <a:pPr/>
-              <a:t>‹nº›</a:t>
+              <a:t>‹n.º›</a:t>
             </a:fld>
             <a:endParaRPr lang="en-US" dirty="0"/>
           </a:p>
@@ -1474,7 +1477,7 @@
           <a:p>
             <a:fld id="{87157CC2-0FC8-4686-B024-99790E0F5162}" type="datetimeFigureOut">
               <a:rPr lang="en-US" smtClean="0"/>
-              <a:t>12/12/15</a:t>
+              <a:t>12/14/15</a:t>
             </a:fld>
             <a:endParaRPr lang="en-US"/>
           </a:p>
@@ -1516,7 +1519,7 @@
           <a:p>
             <a:fld id="{4FAB73BC-B049-4115-A692-8D63A059BFB8}" type="slidenum">
               <a:rPr lang="en-US" smtClean="0"/>
-              <a:t>‹nº›</a:t>
+              <a:t>‹n.º›</a:t>
             </a:fld>
             <a:endParaRPr lang="en-US"/>
           </a:p>
@@ -1654,7 +1657,7 @@
           <a:p>
             <a:fld id="{F6764DA5-CD3D-4590-A511-FCD3BC7A793E}" type="datetimeFigureOut">
               <a:rPr lang="en-US" smtClean="0"/>
-              <a:t>12/12/15</a:t>
+              <a:t>12/14/15</a:t>
             </a:fld>
             <a:endParaRPr lang="en-US"/>
           </a:p>
@@ -1696,7 +1699,7 @@
           <a:p>
             <a:fld id="{4FAB73BC-B049-4115-A692-8D63A059BFB8}" type="slidenum">
               <a:rPr lang="en-US" smtClean="0"/>
-              <a:t>‹nº›</a:t>
+              <a:t>‹n.º›</a:t>
             </a:fld>
             <a:endParaRPr lang="en-US"/>
           </a:p>
@@ -1824,7 +1827,7 @@
           <a:p>
             <a:fld id="{82F5661D-6934-4B32-B92C-470368BF1EC6}" type="datetimeFigureOut">
               <a:rPr lang="en-US" smtClean="0"/>
-              <a:t>12/12/15</a:t>
+              <a:t>12/14/15</a:t>
             </a:fld>
             <a:endParaRPr lang="en-US"/>
           </a:p>
@@ -1866,7 +1869,7 @@
           <a:p>
             <a:fld id="{4FAB73BC-B049-4115-A692-8D63A059BFB8}" type="slidenum">
               <a:rPr lang="en-US" smtClean="0"/>
-              <a:t>‹nº›</a:t>
+              <a:t>‹n.º›</a:t>
             </a:fld>
             <a:endParaRPr lang="en-US"/>
           </a:p>
@@ -2145,7 +2148,7 @@
           <a:p>
             <a:fld id="{C6F822A4-8DA6-4447-9B1F-C5DB58435268}" type="datetimeFigureOut">
               <a:rPr lang="en-US" smtClean="0"/>
-              <a:t>12/12/15</a:t>
+              <a:t>12/14/15</a:t>
             </a:fld>
             <a:endParaRPr lang="en-US" dirty="0"/>
           </a:p>
@@ -2204,7 +2207,7 @@
               <a:avLst/>
             </a:prstGeom>
             <a:blipFill dpi="0" rotWithShape="1">
-              <a:blip r:embed="rId2">
+              <a:blip r:embed="rId4">
                 <a:duotone>
                   <a:schemeClr val="accent1">
                     <a:shade val="45000"/>
@@ -2215,7 +2218,7 @@
                 <a:extLst>
                   <a:ext uri="{BEBA8EAE-BF5A-486C-A8C5-ECC9F3942E4B}">
                     <a14:imgProps xmlns:a14="http://schemas.microsoft.com/office/drawing/2010/main">
-                      <a14:imgLayer r:embed="rId3">
+                      <a14:imgLayer r:embed="rId5">
                         <a14:imgEffect>
                           <a14:saturation sat="95000"/>
                         </a14:imgEffect>
@@ -2360,7 +2363,7 @@
             <a:fld id="{4FAB73BC-B049-4115-A692-8D63A059BFB8}" type="slidenum">
               <a:rPr lang="en-US" smtClean="0"/>
               <a:pPr/>
-              <a:t>‹nº›</a:t>
+              <a:t>‹n.º›</a:t>
             </a:fld>
             <a:endParaRPr lang="en-US" dirty="0"/>
           </a:p>
@@ -2606,7 +2609,7 @@
           <a:p>
             <a:fld id="{E548D31E-DCDA-41A7-9C67-C4B11B94D21D}" type="datetimeFigureOut">
               <a:rPr lang="en-US" smtClean="0"/>
-              <a:t>12/12/15</a:t>
+              <a:t>12/14/15</a:t>
             </a:fld>
             <a:endParaRPr lang="en-US"/>
           </a:p>
@@ -2648,7 +2651,7 @@
           <a:p>
             <a:fld id="{4FAB73BC-B049-4115-A692-8D63A059BFB8}" type="slidenum">
               <a:rPr lang="en-US" smtClean="0"/>
-              <a:t>‹nº›</a:t>
+              <a:t>‹n.º›</a:t>
             </a:fld>
             <a:endParaRPr lang="en-US"/>
           </a:p>
@@ -3017,7 +3020,7 @@
           <a:p>
             <a:fld id="{9B3762C0-B258-48F1-ADE6-176B4174CCDD}" type="datetimeFigureOut">
               <a:rPr lang="en-US" smtClean="0"/>
-              <a:t>12/12/15</a:t>
+              <a:t>12/14/15</a:t>
             </a:fld>
             <a:endParaRPr lang="en-US"/>
           </a:p>
@@ -3059,7 +3062,7 @@
           <a:p>
             <a:fld id="{4FAB73BC-B049-4115-A692-8D63A059BFB8}" type="slidenum">
               <a:rPr lang="en-US" smtClean="0"/>
-              <a:t>‹nº›</a:t>
+              <a:t>‹n.º›</a:t>
             </a:fld>
             <a:endParaRPr lang="en-US"/>
           </a:p>
@@ -3135,7 +3138,7 @@
           <a:p>
             <a:fld id="{677919A6-33EB-49BD-A62F-1FA56B9F9712}" type="datetimeFigureOut">
               <a:rPr lang="en-US" smtClean="0"/>
-              <a:t>12/12/15</a:t>
+              <a:t>12/14/15</a:t>
             </a:fld>
             <a:endParaRPr lang="en-US"/>
           </a:p>
@@ -3177,7 +3180,7 @@
           <a:p>
             <a:fld id="{4FAB73BC-B049-4115-A692-8D63A059BFB8}" type="slidenum">
               <a:rPr lang="en-US" smtClean="0"/>
-              <a:t>‹nº›</a:t>
+              <a:t>‹n.º›</a:t>
             </a:fld>
             <a:endParaRPr lang="en-US"/>
           </a:p>
@@ -3253,7 +3256,7 @@
           <a:p>
             <a:fld id="{CA4E7D1B-D673-4CF6-8672-009D42ABD2A0}" type="datetimeFigureOut">
               <a:rPr lang="en-US" smtClean="0"/>
-              <a:t>12/12/15</a:t>
+              <a:t>12/14/15</a:t>
             </a:fld>
             <a:endParaRPr lang="en-US"/>
           </a:p>
@@ -3295,7 +3298,7 @@
           <a:p>
             <a:fld id="{4FAB73BC-B049-4115-A692-8D63A059BFB8}" type="slidenum">
               <a:rPr lang="en-US" smtClean="0"/>
-              <a:t>‹nº›</a:t>
+              <a:t>‹n.º›</a:t>
             </a:fld>
             <a:endParaRPr lang="en-US"/>
           </a:p>
@@ -3611,7 +3614,7 @@
           <a:p>
             <a:fld id="{DA16AA21-1863-4931-97CB-99D0A168701B}" type="datetimeFigureOut">
               <a:rPr lang="en-US" smtClean="0"/>
-              <a:t>12/12/15</a:t>
+              <a:t>12/14/15</a:t>
             </a:fld>
             <a:endParaRPr lang="en-US"/>
           </a:p>
@@ -3667,7 +3670,7 @@
               <a:avLst/>
             </a:prstGeom>
             <a:blipFill dpi="0" rotWithShape="1">
-              <a:blip r:embed="rId2">
+              <a:blip r:embed="rId4">
                 <a:duotone>
                   <a:schemeClr val="accent1">
                     <a:shade val="45000"/>
@@ -3678,7 +3681,7 @@
                 <a:extLst>
                   <a:ext uri="{BEBA8EAE-BF5A-486C-A8C5-ECC9F3942E4B}">
                     <a14:imgProps xmlns:a14="http://schemas.microsoft.com/office/drawing/2010/main">
-                      <a14:imgLayer r:embed="rId3">
+                      <a14:imgLayer r:embed="rId5">
                         <a14:imgEffect>
                           <a14:saturation sat="95000"/>
                         </a14:imgEffect>
@@ -3816,7 +3819,7 @@
           <a:p>
             <a:fld id="{4FAB73BC-B049-4115-A692-8D63A059BFB8}" type="slidenum">
               <a:rPr lang="en-US" smtClean="0"/>
-              <a:t>‹nº›</a:t>
+              <a:t>‹n.º›</a:t>
             </a:fld>
             <a:endParaRPr lang="en-US"/>
           </a:p>
@@ -4118,7 +4121,7 @@
           <a:p>
             <a:fld id="{3772C379-9A7C-4C87-A116-CBE9F58B04C5}" type="datetimeFigureOut">
               <a:rPr lang="en-US" smtClean="0"/>
-              <a:t>12/12/15</a:t>
+              <a:t>12/14/15</a:t>
             </a:fld>
             <a:endParaRPr lang="en-US"/>
           </a:p>
@@ -4155,7 +4158,7 @@
               <a:avLst/>
             </a:prstGeom>
             <a:blipFill dpi="0" rotWithShape="1">
-              <a:blip r:embed="rId2">
+              <a:blip r:embed="rId4">
                 <a:duotone>
                   <a:schemeClr val="accent1">
                     <a:shade val="45000"/>
@@ -4166,7 +4169,7 @@
                 <a:extLst>
                   <a:ext uri="{BEBA8EAE-BF5A-486C-A8C5-ECC9F3942E4B}">
                     <a14:imgProps xmlns:a14="http://schemas.microsoft.com/office/drawing/2010/main">
-                      <a14:imgLayer r:embed="rId3">
+                      <a14:imgLayer r:embed="rId5">
                         <a14:imgEffect>
                           <a14:saturation sat="95000"/>
                         </a14:imgEffect>
@@ -4304,7 +4307,7 @@
           <a:p>
             <a:fld id="{4FAB73BC-B049-4115-A692-8D63A059BFB8}" type="slidenum">
               <a:rPr lang="en-US" smtClean="0"/>
-              <a:t>‹nº›</a:t>
+              <a:t>‹n.º›</a:t>
             </a:fld>
             <a:endParaRPr lang="en-US"/>
           </a:p>
@@ -4473,7 +4476,7 @@
           <a:p>
             <a:fld id="{8664C608-40B1-4030-A28D-5B74BC98ADCE}" type="datetimeFigureOut">
               <a:rPr lang="en-US" smtClean="0"/>
-              <a:t>12/12/15</a:t>
+              <a:t>12/14/15</a:t>
             </a:fld>
             <a:endParaRPr lang="en-US" dirty="0"/>
           </a:p>
@@ -4712,7 +4715,7 @@
             <a:fld id="{4FAB73BC-B049-4115-A692-8D63A059BFB8}" type="slidenum">
               <a:rPr lang="en-US" smtClean="0"/>
               <a:pPr/>
-              <a:t>‹nº›</a:t>
+              <a:t>‹n.º›</a:t>
             </a:fld>
             <a:endParaRPr lang="en-US" dirty="0"/>
           </a:p>
@@ -4752,7 +4755,7 @@
         <a:buNone/>
         <a:defRPr sz="5400" kern="1200" cap="all" baseline="0">
           <a:blipFill>
-            <a:blip r:embed="rId13">
+            <a:blip r:embed="rId15">
               <a:extLst>
                 <a:ext uri="{28A0092B-C50C-407E-A947-70E740481C1C}">
                   <a14:useLocalDpi xmlns:a14="http://schemas.microsoft.com/office/drawing/2010/main" val="0"/>
@@ -5426,157 +5429,137 @@
           <a:lstStyle/>
           <a:p>
             <a:r>
-              <a:rPr lang="pt-BR" dirty="0" err="1" smtClean="0"/>
-              <a:t>K</a:t>
-            </a:r>
-            <a:r>
-              <a:rPr lang="pt-BR" dirty="0" smtClean="0"/>
+              <a:rPr lang="pt-PT" dirty="0" smtClean="0"/>
+              <a:t>K-ÓTIMO</a:t>
+            </a:r>
+            <a:endParaRPr lang="pt-PT" dirty="0"/>
+          </a:p>
+        </p:txBody>
+      </p:sp>
+      <p:sp>
+        <p:nvSpPr>
+          <p:cNvPr id="3" name="Marcador de Posição de Conteúdo 2"/>
+          <p:cNvSpPr>
+            <a:spLocks noGrp="1"/>
+          </p:cNvSpPr>
+          <p:nvPr>
+            <p:ph idx="1"/>
+          </p:nvPr>
+        </p:nvSpPr>
+        <p:spPr/>
+        <p:txBody>
+          <a:bodyPr/>
+          <a:lstStyle/>
+          <a:p>
+            <a:r>
+              <a:rPr lang="pt-BR" dirty="0"/>
+              <a:t>O </a:t>
+            </a:r>
+            <a:r>
+              <a:rPr lang="pt-BR" dirty="0" err="1"/>
+              <a:t>k</a:t>
+            </a:r>
+            <a:r>
+              <a:rPr lang="pt-BR" dirty="0"/>
+              <a:t>-</a:t>
+            </a:r>
+            <a:r>
+              <a:rPr lang="pt-PT" dirty="0"/>
+              <a:t>ótimo é o </a:t>
+            </a:r>
+            <a:r>
+              <a:rPr lang="pt-PT" i="1" dirty="0"/>
+              <a:t>melhor</a:t>
+            </a:r>
+            <a:r>
+              <a:rPr lang="pt-PT" dirty="0"/>
+              <a:t> número de </a:t>
+            </a:r>
+            <a:r>
+              <a:rPr lang="pt-PT" dirty="0" err="1"/>
+              <a:t>HashFunctions</a:t>
+            </a:r>
+            <a:r>
+              <a:rPr lang="pt-PT" dirty="0"/>
+              <a:t> a ser </a:t>
+            </a:r>
+            <a:r>
+              <a:rPr lang="pt-PT" dirty="0" smtClean="0"/>
+              <a:t>aplicadas</a:t>
+            </a:r>
+          </a:p>
+          <a:p>
+            <a:r>
+              <a:rPr lang="pt-PT" dirty="0"/>
+              <a:t>O K-Ótimo foi calculado através da seguinte expressão:</a:t>
+            </a:r>
+          </a:p>
+          <a:p>
+            <a:endParaRPr lang="pt-PT" dirty="0" smtClean="0"/>
+          </a:p>
+          <a:p>
+            <a:endParaRPr lang="pt-PT" dirty="0"/>
+          </a:p>
+          <a:p>
+            <a:endParaRPr lang="pt-PT" dirty="0" smtClean="0"/>
+          </a:p>
+          <a:p>
+            <a:r>
+              <a:rPr lang="pt-PT" dirty="0"/>
+              <a:t>K – nº de </a:t>
+            </a:r>
+            <a:r>
+              <a:rPr lang="pt-PT" dirty="0" err="1"/>
+              <a:t>HashFunctions</a:t>
+            </a:r>
+            <a:endParaRPr lang="pt-PT" dirty="0"/>
+          </a:p>
+          <a:p>
+            <a:r>
+              <a:rPr lang="pt-PT" dirty="0"/>
+              <a:t>N – número de elementos a inserir no </a:t>
+            </a:r>
+            <a:r>
+              <a:rPr lang="pt-PT" dirty="0" err="1"/>
+              <a:t>Bloom</a:t>
+            </a:r>
+            <a:r>
+              <a:rPr lang="pt-PT" dirty="0"/>
               <a:t> </a:t>
             </a:r>
             <a:r>
-              <a:rPr lang="pt-PT" dirty="0" smtClean="0"/>
-              <a:t>ótimo</a:t>
-            </a:r>
-            <a:endParaRPr lang="pt-BR" dirty="0"/>
-          </a:p>
-        </p:txBody>
-      </p:sp>
-      <p:sp>
-        <p:nvSpPr>
-          <p:cNvPr id="3" name="Espaço Reservado para Conteúdo 2"/>
-          <p:cNvSpPr>
-            <a:spLocks noGrp="1"/>
-          </p:cNvSpPr>
-          <p:nvPr>
-            <p:ph idx="1"/>
-          </p:nvPr>
-        </p:nvSpPr>
-        <p:spPr>
-          <a:xfrm>
-            <a:off x="1069848" y="2121408"/>
-            <a:ext cx="10058400" cy="4279392"/>
-          </a:xfrm>
-        </p:spPr>
-        <p:txBody>
-          <a:bodyPr>
-            <a:normAutofit fontScale="92500" lnSpcReduction="10000"/>
-          </a:bodyPr>
-          <a:lstStyle/>
-          <a:p>
-            <a:r>
-              <a:rPr lang="pt-BR" dirty="0" smtClean="0"/>
-              <a:t>O </a:t>
-            </a:r>
-            <a:r>
-              <a:rPr lang="pt-BR" dirty="0" err="1" smtClean="0"/>
-              <a:t>k</a:t>
-            </a:r>
-            <a:r>
-              <a:rPr lang="pt-BR" dirty="0" smtClean="0"/>
-              <a:t>-</a:t>
-            </a:r>
-            <a:r>
-              <a:rPr lang="pt-PT" dirty="0" smtClean="0"/>
-              <a:t>ótimo é o </a:t>
-            </a:r>
-            <a:r>
-              <a:rPr lang="pt-PT" i="1" dirty="0" smtClean="0"/>
-              <a:t>melhor</a:t>
-            </a:r>
-            <a:r>
-              <a:rPr lang="pt-PT" dirty="0" smtClean="0"/>
-              <a:t> número de </a:t>
-            </a:r>
-            <a:r>
-              <a:rPr lang="pt-PT" dirty="0" err="1" smtClean="0"/>
-              <a:t>HashFunctions</a:t>
-            </a:r>
-            <a:r>
-              <a:rPr lang="pt-PT" dirty="0" smtClean="0"/>
-              <a:t> a ser aplicadas.</a:t>
-            </a:r>
-          </a:p>
-          <a:p>
-            <a:pPr marL="0" indent="0">
-              <a:buNone/>
-            </a:pPr>
+              <a:rPr lang="pt-PT" dirty="0" err="1"/>
+              <a:t>Filter</a:t>
+            </a:r>
             <a:endParaRPr lang="pt-PT" dirty="0"/>
           </a:p>
           <a:p>
             <a:r>
-              <a:rPr lang="pt-PT" dirty="0" smtClean="0"/>
-              <a:t>O K-Ótimo foi calculado através da seguinte expressão:</a:t>
-            </a:r>
-          </a:p>
-          <a:p>
+              <a:rPr lang="pt-PT" dirty="0"/>
+              <a:t>M – número de bits do </a:t>
+            </a:r>
+            <a:r>
+              <a:rPr lang="pt-PT" dirty="0" err="1"/>
+              <a:t>Bloom</a:t>
+            </a:r>
+            <a:r>
+              <a:rPr lang="pt-PT" dirty="0"/>
+              <a:t> </a:t>
+            </a:r>
+            <a:r>
+              <a:rPr lang="pt-PT" dirty="0" err="1"/>
+              <a:t>Filter</a:t>
+            </a:r>
             <a:endParaRPr lang="pt-PT" dirty="0"/>
           </a:p>
           <a:p>
-            <a:endParaRPr lang="pt-PT" dirty="0" smtClean="0"/>
+            <a:r>
+              <a:rPr lang="pt-PT" dirty="0"/>
+              <a:t>P – probabilidade de falsos positivos</a:t>
+            </a:r>
           </a:p>
           <a:p>
             <a:endParaRPr lang="pt-PT" dirty="0"/>
-          </a:p>
-          <a:p>
-            <a:endParaRPr lang="pt-PT" dirty="0" smtClean="0"/>
-          </a:p>
-          <a:p>
-            <a:r>
-              <a:rPr lang="pt-PT" dirty="0" smtClean="0"/>
-              <a:t>K – nº de </a:t>
-            </a:r>
-            <a:r>
-              <a:rPr lang="pt-PT" dirty="0" err="1" smtClean="0"/>
-              <a:t>HashFunctions</a:t>
-            </a:r>
-            <a:endParaRPr lang="pt-PT" dirty="0" smtClean="0"/>
-          </a:p>
-          <a:p>
-            <a:r>
-              <a:rPr lang="pt-PT" dirty="0" smtClean="0"/>
-              <a:t>N – número de elementos a inserir no </a:t>
-            </a:r>
-            <a:r>
-              <a:rPr lang="pt-PT" dirty="0" err="1" smtClean="0"/>
-              <a:t>Bloom</a:t>
-            </a:r>
-            <a:r>
-              <a:rPr lang="pt-PT" dirty="0" smtClean="0"/>
-              <a:t> </a:t>
-            </a:r>
-            <a:r>
-              <a:rPr lang="pt-PT" dirty="0" err="1" smtClean="0"/>
-              <a:t>Filter</a:t>
-            </a:r>
-            <a:endParaRPr lang="pt-PT" dirty="0" smtClean="0"/>
-          </a:p>
-          <a:p>
-            <a:r>
-              <a:rPr lang="pt-PT" dirty="0" smtClean="0"/>
-              <a:t>M – número de bits do </a:t>
-            </a:r>
-            <a:r>
-              <a:rPr lang="pt-PT" dirty="0" err="1" smtClean="0"/>
-              <a:t>Bloom</a:t>
-            </a:r>
-            <a:r>
-              <a:rPr lang="pt-PT" dirty="0" smtClean="0"/>
-              <a:t> </a:t>
-            </a:r>
-            <a:r>
-              <a:rPr lang="pt-PT" dirty="0" err="1" smtClean="0"/>
-              <a:t>Filter</a:t>
-            </a:r>
-            <a:endParaRPr lang="pt-PT" dirty="0" smtClean="0"/>
-          </a:p>
-          <a:p>
-            <a:r>
-              <a:rPr lang="pt-PT" dirty="0" smtClean="0"/>
-              <a:t>P – probabilidade de falsos positivos</a:t>
-            </a:r>
-          </a:p>
-          <a:p>
-            <a:endParaRPr lang="pt-BR" dirty="0"/>
           </a:p>
         </p:txBody>
       </p:sp>
@@ -5602,8 +5585,8 @@
         </p:blipFill>
         <p:spPr>
           <a:xfrm>
-            <a:off x="1069848" y="3538791"/>
-            <a:ext cx="10875393" cy="1216025"/>
+            <a:off x="2292144" y="3064435"/>
+            <a:ext cx="6232423" cy="965636"/>
           </a:xfrm>
           <a:prstGeom prst="rect">
             <a:avLst/>
@@ -5613,7 +5596,7 @@
     </p:spTree>
     <p:extLst>
       <p:ext uri="{BB962C8B-B14F-4D97-AF65-F5344CB8AC3E}">
-        <p14:creationId xmlns:p14="http://schemas.microsoft.com/office/powerpoint/2010/main" val="217502232"/>
+        <p14:creationId xmlns:p14="http://schemas.microsoft.com/office/powerpoint/2010/main" val="1963283278"/>
       </p:ext>
     </p:extLst>
   </p:cSld>
@@ -5688,12 +5671,7 @@
             <p:ph idx="1"/>
           </p:nvPr>
         </p:nvSpPr>
-        <p:spPr>
-          <a:xfrm>
-            <a:off x="1069848" y="2121408"/>
-            <a:ext cx="10058400" cy="828269"/>
-          </a:xfrm>
-        </p:spPr>
+        <p:spPr/>
         <p:txBody>
           <a:bodyPr/>
           <a:lstStyle/>
@@ -5712,8 +5690,26 @@
             </a:r>
             <a:r>
               <a:rPr lang="pt-PT" dirty="0" smtClean="0"/>
-              <a:t>é utilizado para mostrar a similaridade entre utilizadores em relação aos livros requisitados.</a:t>
-            </a:r>
+              <a:t>é utilizado para mostrar a similaridade entre utilizadores em relação aos livros requisitados</a:t>
+            </a:r>
+            <a:r>
+              <a:rPr lang="pt-PT" dirty="0" smtClean="0"/>
+              <a:t>.</a:t>
+            </a:r>
+          </a:p>
+          <a:p>
+            <a:endParaRPr lang="pt-PT" dirty="0"/>
+          </a:p>
+          <a:p>
+            <a:r>
+              <a:rPr lang="pt-PT" dirty="0" smtClean="0"/>
+              <a:t>Var = 2.627*10</a:t>
+            </a:r>
+            <a:r>
+              <a:rPr lang="pt-PT" dirty="0" smtClean="0"/>
+              <a:t>^-04</a:t>
+            </a:r>
+            <a:endParaRPr lang="pt-PT" dirty="0" smtClean="0"/>
           </a:p>
           <a:p>
             <a:endParaRPr lang="pt-PT" dirty="0"/>
@@ -5751,7 +5747,7 @@
         </p:blipFill>
         <p:spPr>
           <a:xfrm>
-            <a:off x="3412671" y="2949677"/>
+            <a:off x="4008137" y="2831690"/>
             <a:ext cx="5110843" cy="3703091"/>
           </a:xfrm>
           <a:prstGeom prst="rect">
@@ -5812,347 +5808,59 @@
           <a:lstStyle/>
           <a:p>
             <a:r>
-              <a:rPr lang="pt-BR" dirty="0" smtClean="0"/>
-              <a:t>COMO FUNCIONA?</a:t>
-            </a:r>
-            <a:endParaRPr lang="pt-BR" dirty="0"/>
-          </a:p>
-        </p:txBody>
-      </p:sp>
-      <p:pic>
-        <p:nvPicPr>
-          <p:cNvPr id="4" name="Espaço Reservado para Conteúdo 3"/>
-          <p:cNvPicPr>
-            <a:picLocks noGrp="1" noChangeAspect="1"/>
-          </p:cNvPicPr>
+              <a:rPr lang="pt-PT" dirty="0" smtClean="0"/>
+              <a:t>Análise do gráfico de erro</a:t>
+            </a:r>
+            <a:endParaRPr lang="pt-PT" dirty="0"/>
+          </a:p>
+        </p:txBody>
+      </p:sp>
+      <p:sp>
+        <p:nvSpPr>
+          <p:cNvPr id="3" name="Marcador de Posição de Conteúdo 2"/>
+          <p:cNvSpPr>
+            <a:spLocks noGrp="1"/>
+          </p:cNvSpPr>
           <p:nvPr>
             <p:ph idx="1"/>
           </p:nvPr>
-        </p:nvPicPr>
-        <p:blipFill>
-          <a:blip r:embed="rId2">
-            <a:extLst>
-              <a:ext uri="{28A0092B-C50C-407E-A947-70E740481C1C}">
-                <a14:useLocalDpi xmlns:a14="http://schemas.microsoft.com/office/drawing/2010/main" val="0"/>
-              </a:ext>
-            </a:extLst>
-          </a:blip>
-          <a:stretch>
-            <a:fillRect/>
-          </a:stretch>
-        </p:blipFill>
+        </p:nvSpPr>
         <p:spPr>
           <a:xfrm>
-            <a:off x="842673" y="1821359"/>
-            <a:ext cx="9761879" cy="1156012"/>
+            <a:off x="1069848" y="2121408"/>
+            <a:ext cx="8957555" cy="3488978"/>
           </a:xfrm>
         </p:spPr>
-      </p:pic>
-      <p:pic>
-        <p:nvPicPr>
-          <p:cNvPr id="5" name="Imagem 4"/>
-          <p:cNvPicPr>
-            <a:picLocks noChangeAspect="1"/>
-          </p:cNvPicPr>
-          <p:nvPr/>
-        </p:nvPicPr>
-        <p:blipFill>
-          <a:blip r:embed="rId2">
-            <a:extLst>
-              <a:ext uri="{28A0092B-C50C-407E-A947-70E740481C1C}">
-                <a14:useLocalDpi xmlns:a14="http://schemas.microsoft.com/office/drawing/2010/main" val="0"/>
-              </a:ext>
-            </a:extLst>
-          </a:blip>
-          <a:stretch>
-            <a:fillRect/>
-          </a:stretch>
-        </p:blipFill>
-        <p:spPr>
-          <a:xfrm>
-            <a:off x="737742" y="4122732"/>
-            <a:ext cx="7556500" cy="1473200"/>
-          </a:xfrm>
-          <a:prstGeom prst="rect">
-            <a:avLst/>
-          </a:prstGeom>
-        </p:spPr>
-      </p:pic>
-      <p:sp>
-        <p:nvSpPr>
-          <p:cNvPr id="7" name="Espaço Reservado para Conteúdo 2"/>
-          <p:cNvSpPr txBox="1">
-            <a:spLocks/>
-          </p:cNvSpPr>
-          <p:nvPr/>
-        </p:nvSpPr>
-        <p:spPr>
-          <a:xfrm>
-            <a:off x="792014" y="3239541"/>
-            <a:ext cx="9863195" cy="763574"/>
-          </a:xfrm>
-          <a:prstGeom prst="rect">
-            <a:avLst/>
-          </a:prstGeom>
-        </p:spPr>
-        <p:txBody>
-          <a:bodyPr vert="horz" lIns="91440" tIns="45720" rIns="91440" bIns="45720" rtlCol="0">
-            <a:normAutofit fontScale="92500" lnSpcReduction="20000"/>
-          </a:bodyPr>
-          <a:lstStyle>
-            <a:lvl1pPr marL="182880" indent="-182880" algn="l" defTabSz="914400" rtl="0" eaLnBrk="1" latinLnBrk="0" hangingPunct="1">
-              <a:lnSpc>
-                <a:spcPct val="90000"/>
-              </a:lnSpc>
-              <a:spcBef>
-                <a:spcPts val="1200"/>
-              </a:spcBef>
-              <a:buClr>
-                <a:schemeClr val="accent1">
-                  <a:lumMod val="75000"/>
-                </a:schemeClr>
-              </a:buClr>
-              <a:buSzPct val="85000"/>
-              <a:buFont typeface="Wingdings" pitchFamily="2" charset="2"/>
-              <a:buChar char="§"/>
-              <a:defRPr sz="2000" kern="1200">
-                <a:solidFill>
-                  <a:schemeClr val="tx1"/>
-                </a:solidFill>
-                <a:latin typeface="+mn-lt"/>
-                <a:ea typeface="+mn-ea"/>
-                <a:cs typeface="+mn-cs"/>
-              </a:defRPr>
-            </a:lvl1pPr>
-            <a:lvl2pPr marL="457200" indent="-182880" algn="l" defTabSz="914400" rtl="0" eaLnBrk="1" latinLnBrk="0" hangingPunct="1">
-              <a:lnSpc>
-                <a:spcPct val="90000"/>
-              </a:lnSpc>
-              <a:spcBef>
-                <a:spcPts val="400"/>
-              </a:spcBef>
-              <a:spcAft>
-                <a:spcPts val="200"/>
-              </a:spcAft>
-              <a:buClr>
-                <a:schemeClr val="accent1">
-                  <a:lumMod val="75000"/>
-                </a:schemeClr>
-              </a:buClr>
-              <a:buSzPct val="85000"/>
-              <a:buFont typeface="Wingdings" pitchFamily="2" charset="2"/>
-              <a:buChar char="§"/>
-              <a:defRPr sz="1800" kern="1200">
-                <a:solidFill>
-                  <a:schemeClr val="tx1"/>
-                </a:solidFill>
-                <a:latin typeface="+mn-lt"/>
-                <a:ea typeface="+mn-ea"/>
-                <a:cs typeface="+mn-cs"/>
-              </a:defRPr>
-            </a:lvl2pPr>
-            <a:lvl3pPr marL="731520" indent="-182880" algn="l" defTabSz="914400" rtl="0" eaLnBrk="1" latinLnBrk="0" hangingPunct="1">
-              <a:lnSpc>
-                <a:spcPct val="90000"/>
-              </a:lnSpc>
-              <a:spcBef>
-                <a:spcPts val="400"/>
-              </a:spcBef>
-              <a:spcAft>
-                <a:spcPts val="200"/>
-              </a:spcAft>
-              <a:buClr>
-                <a:schemeClr val="accent1">
-                  <a:lumMod val="75000"/>
-                </a:schemeClr>
-              </a:buClr>
-              <a:buSzPct val="85000"/>
-              <a:buFont typeface="Wingdings" pitchFamily="2" charset="2"/>
-              <a:buChar char="§"/>
-              <a:defRPr sz="1600" kern="1200">
-                <a:solidFill>
-                  <a:schemeClr val="tx1"/>
-                </a:solidFill>
-                <a:latin typeface="+mn-lt"/>
-                <a:ea typeface="+mn-ea"/>
-                <a:cs typeface="+mn-cs"/>
-              </a:defRPr>
-            </a:lvl3pPr>
-            <a:lvl4pPr marL="1005840" indent="-182880" algn="l" defTabSz="914400" rtl="0" eaLnBrk="1" latinLnBrk="0" hangingPunct="1">
-              <a:lnSpc>
-                <a:spcPct val="90000"/>
-              </a:lnSpc>
-              <a:spcBef>
-                <a:spcPts val="400"/>
-              </a:spcBef>
-              <a:spcAft>
-                <a:spcPts val="200"/>
-              </a:spcAft>
-              <a:buClr>
-                <a:schemeClr val="accent1">
-                  <a:lumMod val="75000"/>
-                </a:schemeClr>
-              </a:buClr>
-              <a:buSzPct val="85000"/>
-              <a:buFont typeface="Wingdings" pitchFamily="2" charset="2"/>
-              <a:buChar char="§"/>
-              <a:defRPr sz="1600" kern="1200">
-                <a:solidFill>
-                  <a:schemeClr val="tx1"/>
-                </a:solidFill>
-                <a:latin typeface="+mn-lt"/>
-                <a:ea typeface="+mn-ea"/>
-                <a:cs typeface="+mn-cs"/>
-              </a:defRPr>
-            </a:lvl4pPr>
-            <a:lvl5pPr marL="1280160" indent="-182880" algn="l" defTabSz="914400" rtl="0" eaLnBrk="1" latinLnBrk="0" hangingPunct="1">
-              <a:lnSpc>
-                <a:spcPct val="90000"/>
-              </a:lnSpc>
-              <a:spcBef>
-                <a:spcPts val="400"/>
-              </a:spcBef>
-              <a:spcAft>
-                <a:spcPts val="200"/>
-              </a:spcAft>
-              <a:buClr>
-                <a:schemeClr val="accent1">
-                  <a:lumMod val="75000"/>
-                </a:schemeClr>
-              </a:buClr>
-              <a:buSzPct val="85000"/>
-              <a:buFont typeface="Wingdings" pitchFamily="2" charset="2"/>
-              <a:buChar char="§"/>
-              <a:defRPr sz="1600" kern="1200">
-                <a:solidFill>
-                  <a:schemeClr val="tx1"/>
-                </a:solidFill>
-                <a:latin typeface="+mn-lt"/>
-                <a:ea typeface="+mn-ea"/>
-                <a:cs typeface="+mn-cs"/>
-              </a:defRPr>
-            </a:lvl5pPr>
-            <a:lvl6pPr marL="1600000" indent="-228600" algn="l" defTabSz="914400" rtl="0" eaLnBrk="1" latinLnBrk="0" hangingPunct="1">
-              <a:lnSpc>
-                <a:spcPct val="90000"/>
-              </a:lnSpc>
-              <a:spcBef>
-                <a:spcPts val="400"/>
-              </a:spcBef>
-              <a:spcAft>
-                <a:spcPts val="200"/>
-              </a:spcAft>
-              <a:buClr>
-                <a:schemeClr val="accent1">
-                  <a:lumMod val="75000"/>
-                </a:schemeClr>
-              </a:buClr>
-              <a:buSzPct val="85000"/>
-              <a:buFont typeface="Wingdings" pitchFamily="2" charset="2"/>
-              <a:buChar char="§"/>
-              <a:defRPr sz="1600" kern="1200">
-                <a:solidFill>
-                  <a:schemeClr val="tx1"/>
-                </a:solidFill>
-                <a:latin typeface="+mn-lt"/>
-                <a:ea typeface="+mn-ea"/>
-                <a:cs typeface="+mn-cs"/>
-              </a:defRPr>
-            </a:lvl6pPr>
-            <a:lvl7pPr marL="1900000" indent="-228600" algn="l" defTabSz="914400" rtl="0" eaLnBrk="1" latinLnBrk="0" hangingPunct="1">
-              <a:lnSpc>
-                <a:spcPct val="90000"/>
-              </a:lnSpc>
-              <a:spcBef>
-                <a:spcPts val="400"/>
-              </a:spcBef>
-              <a:spcAft>
-                <a:spcPts val="200"/>
-              </a:spcAft>
-              <a:buClr>
-                <a:schemeClr val="accent1">
-                  <a:lumMod val="75000"/>
-                </a:schemeClr>
-              </a:buClr>
-              <a:buSzPct val="85000"/>
-              <a:buFont typeface="Wingdings" pitchFamily="2" charset="2"/>
-              <a:buChar char="§"/>
-              <a:defRPr sz="1600" kern="1200">
-                <a:solidFill>
-                  <a:schemeClr val="tx1"/>
-                </a:solidFill>
-                <a:latin typeface="+mn-lt"/>
-                <a:ea typeface="+mn-ea"/>
-                <a:cs typeface="+mn-cs"/>
-              </a:defRPr>
-            </a:lvl7pPr>
-            <a:lvl8pPr marL="2200000" indent="-228600" algn="l" defTabSz="914400" rtl="0" eaLnBrk="1" latinLnBrk="0" hangingPunct="1">
-              <a:lnSpc>
-                <a:spcPct val="90000"/>
-              </a:lnSpc>
-              <a:spcBef>
-                <a:spcPts val="400"/>
-              </a:spcBef>
-              <a:spcAft>
-                <a:spcPts val="200"/>
-              </a:spcAft>
-              <a:buClr>
-                <a:schemeClr val="accent1">
-                  <a:lumMod val="75000"/>
-                </a:schemeClr>
-              </a:buClr>
-              <a:buSzPct val="85000"/>
-              <a:buFont typeface="Wingdings" pitchFamily="2" charset="2"/>
-              <a:buChar char="§"/>
-              <a:defRPr sz="1600" kern="1200">
-                <a:solidFill>
-                  <a:schemeClr val="tx1"/>
-                </a:solidFill>
-                <a:latin typeface="+mn-lt"/>
-                <a:ea typeface="+mn-ea"/>
-                <a:cs typeface="+mn-cs"/>
-              </a:defRPr>
-            </a:lvl8pPr>
-            <a:lvl9pPr marL="2500000" indent="-228600" algn="l" defTabSz="914400" rtl="0" eaLnBrk="1" latinLnBrk="0" hangingPunct="1">
-              <a:lnSpc>
-                <a:spcPct val="90000"/>
-              </a:lnSpc>
-              <a:spcBef>
-                <a:spcPts val="400"/>
-              </a:spcBef>
-              <a:spcAft>
-                <a:spcPts val="200"/>
-              </a:spcAft>
-              <a:buClr>
-                <a:schemeClr val="accent1">
-                  <a:lumMod val="75000"/>
-                </a:schemeClr>
-              </a:buClr>
-              <a:buSzPct val="85000"/>
-              <a:buFont typeface="Wingdings" pitchFamily="2" charset="2"/>
-              <a:buChar char="§"/>
-              <a:defRPr sz="1600" kern="1200">
-                <a:solidFill>
-                  <a:schemeClr val="tx1"/>
-                </a:solidFill>
-                <a:latin typeface="+mn-lt"/>
-                <a:ea typeface="+mn-ea"/>
-                <a:cs typeface="+mn-cs"/>
-              </a:defRPr>
-            </a:lvl9pPr>
-          </a:lstStyle>
-          <a:p>
-            <a:r>
-              <a:rPr lang="pt-PT" dirty="0" smtClean="0"/>
-              <a:t>Caso o livro exista e portanto possa ser requisitado, é dado ao utilizador sugestões de livros semelhantes que possam despertar o interesse do utilizador para ler mais tarde.</a:t>
-            </a:r>
+        <p:txBody>
+          <a:bodyPr/>
+          <a:lstStyle/>
+          <a:p>
+            <a:r>
+              <a:rPr lang="pt-PT" sz="2800" dirty="0" smtClean="0"/>
+              <a:t>Forma Gaussiana;</a:t>
+            </a:r>
+          </a:p>
+          <a:p>
+            <a:r>
+              <a:rPr lang="pt-PT" sz="2800" dirty="0" smtClean="0"/>
+              <a:t>Média de erro baixa;</a:t>
+            </a:r>
+          </a:p>
+          <a:p>
+            <a:r>
+              <a:rPr lang="pt-PT" sz="2800" dirty="0" smtClean="0"/>
+              <a:t>Variância baixa;</a:t>
+            </a:r>
+          </a:p>
+          <a:p>
+            <a:endParaRPr lang="pt-PT" dirty="0"/>
           </a:p>
         </p:txBody>
       </p:sp>
     </p:spTree>
     <p:extLst>
       <p:ext uri="{BB962C8B-B14F-4D97-AF65-F5344CB8AC3E}">
-        <p14:creationId xmlns:p14="http://schemas.microsoft.com/office/powerpoint/2010/main" val="1854971876"/>
+        <p14:creationId xmlns:p14="http://schemas.microsoft.com/office/powerpoint/2010/main" val="504501222"/>
       </p:ext>
     </p:extLst>
   </p:cSld>
@@ -6202,58 +5910,381 @@
           <a:lstStyle/>
           <a:p>
             <a:r>
-              <a:rPr lang="pt-BR" dirty="0" smtClean="0"/>
-              <a:t>Como funciona?</a:t>
-            </a:r>
-            <a:endParaRPr lang="pt-BR" dirty="0"/>
-          </a:p>
-        </p:txBody>
-      </p:sp>
-      <p:sp>
-        <p:nvSpPr>
-          <p:cNvPr id="3" name="Espaço Reservado para Conteúdo 2"/>
-          <p:cNvSpPr>
-            <a:spLocks noGrp="1"/>
-          </p:cNvSpPr>
+              <a:rPr lang="pt-PT" dirty="0" smtClean="0"/>
+              <a:t>Falsos positivos</a:t>
+            </a:r>
+            <a:endParaRPr lang="pt-PT" dirty="0"/>
+          </a:p>
+        </p:txBody>
+      </p:sp>
+      <p:pic>
+        <p:nvPicPr>
+          <p:cNvPr id="4" name="Marcador de Posição de Conteúdo 3"/>
+          <p:cNvPicPr>
+            <a:picLocks noGrp="1" noChangeAspect="1"/>
+          </p:cNvPicPr>
           <p:nvPr>
             <p:ph idx="1"/>
           </p:nvPr>
-        </p:nvSpPr>
-        <p:spPr/>
-        <p:txBody>
-          <a:bodyPr/>
-          <a:lstStyle/>
-          <a:p>
-            <a:r>
-              <a:rPr lang="pt-BR" dirty="0" smtClean="0"/>
-              <a:t>Ao longo das </a:t>
-            </a:r>
-            <a:r>
-              <a:rPr lang="pt-BR" dirty="0" err="1" smtClean="0"/>
-              <a:t>requisiç</a:t>
-            </a:r>
-            <a:r>
-              <a:rPr lang="pt-PT" dirty="0" err="1" smtClean="0"/>
-              <a:t>ões</a:t>
-            </a:r>
-            <a:r>
-              <a:rPr lang="pt-PT" dirty="0" smtClean="0"/>
-              <a:t>, vai  sendo adicionado à base de dados o ID do utilizador e o respetivo livro requisitado. </a:t>
-            </a:r>
-            <a:endParaRPr lang="pt-BR" dirty="0"/>
-          </a:p>
-        </p:txBody>
-      </p:sp>
+        </p:nvPicPr>
+        <p:blipFill>
+          <a:blip r:embed="rId2">
+            <a:extLst>
+              <a:ext uri="{28A0092B-C50C-407E-A947-70E740481C1C}">
+                <a14:useLocalDpi xmlns:a14="http://schemas.microsoft.com/office/drawing/2010/main" val="0"/>
+              </a:ext>
+            </a:extLst>
+          </a:blip>
+          <a:stretch>
+            <a:fillRect/>
+          </a:stretch>
+        </p:blipFill>
+        <p:spPr>
+          <a:xfrm>
+            <a:off x="3044650" y="1764877"/>
+            <a:ext cx="5243737" cy="4631330"/>
+          </a:xfrm>
+        </p:spPr>
+      </p:pic>
     </p:spTree>
     <p:extLst>
       <p:ext uri="{BB962C8B-B14F-4D97-AF65-F5344CB8AC3E}">
-        <p14:creationId xmlns:p14="http://schemas.microsoft.com/office/powerpoint/2010/main" val="1566869521"/>
+        <p14:creationId xmlns:p14="http://schemas.microsoft.com/office/powerpoint/2010/main" val="116940403"/>
       </p:ext>
     </p:extLst>
   </p:cSld>
   <p:clrMapOvr>
     <a:masterClrMapping/>
   </p:clrMapOvr>
+  <p:timing>
+    <p:tnLst>
+      <p:par>
+        <p:cTn id="1" dur="indefinite" restart="never" nodeType="tmRoot"/>
+      </p:par>
+    </p:tnLst>
+  </p:timing>
+</p:sld>
+</file>
+
+<file path=ppt/slides/slide7.xml><?xml version="1.0" encoding="utf-8"?>
+<p:sld xmlns:a="http://schemas.openxmlformats.org/drawingml/2006/main" xmlns:r="http://schemas.openxmlformats.org/officeDocument/2006/relationships" xmlns:p="http://schemas.openxmlformats.org/presentationml/2006/main">
+  <p:cSld>
+    <p:spTree>
+      <p:nvGrpSpPr>
+        <p:cNvPr id="1" name=""/>
+        <p:cNvGrpSpPr/>
+        <p:nvPr/>
+      </p:nvGrpSpPr>
+      <p:grpSpPr>
+        <a:xfrm>
+          <a:off x="0" y="0"/>
+          <a:ext cx="0" cy="0"/>
+          <a:chOff x="0" y="0"/>
+          <a:chExt cx="0" cy="0"/>
+        </a:xfrm>
+      </p:grpSpPr>
+      <p:sp>
+        <p:nvSpPr>
+          <p:cNvPr id="2" name="Título 1"/>
+          <p:cNvSpPr>
+            <a:spLocks noGrp="1"/>
+          </p:cNvSpPr>
+          <p:nvPr>
+            <p:ph type="title"/>
+          </p:nvPr>
+        </p:nvSpPr>
+        <p:spPr/>
+        <p:txBody>
+          <a:bodyPr/>
+          <a:lstStyle/>
+          <a:p>
+            <a:r>
+              <a:rPr lang="pt-BR" dirty="0" smtClean="0"/>
+              <a:t>COMO FUNCIONA?</a:t>
+            </a:r>
+            <a:endParaRPr lang="pt-BR" dirty="0"/>
+          </a:p>
+        </p:txBody>
+      </p:sp>
+      <p:sp>
+        <p:nvSpPr>
+          <p:cNvPr id="3" name="Espaço Reservado para Conteúdo 2"/>
+          <p:cNvSpPr>
+            <a:spLocks noGrp="1"/>
+          </p:cNvSpPr>
+          <p:nvPr>
+            <p:ph idx="1"/>
+          </p:nvPr>
+        </p:nvSpPr>
+        <p:spPr>
+          <a:noFill/>
+          <a:ln>
+            <a:noFill/>
+          </a:ln>
+        </p:spPr>
+        <p:txBody>
+          <a:bodyPr/>
+          <a:lstStyle/>
+          <a:p>
+            <a:endParaRPr lang="pt-BR" dirty="0" smtClean="0"/>
+          </a:p>
+          <a:p>
+            <a:endParaRPr lang="pt-BR" dirty="0"/>
+          </a:p>
+          <a:p>
+            <a:pPr marL="0" indent="0">
+              <a:buNone/>
+            </a:pPr>
+            <a:endParaRPr lang="pt-BR" dirty="0"/>
+          </a:p>
+          <a:p>
+            <a:r>
+              <a:rPr lang="pt-PT" dirty="0"/>
+              <a:t>Caso o livro exista e portanto possa ser requisitado, é dado ao utilizador sugestões de livros semelhantes que possam despertar o interesse do utilizador para ler mais tarde.</a:t>
+            </a:r>
+          </a:p>
+          <a:p>
+            <a:pPr marL="0" indent="0">
+              <a:buNone/>
+            </a:pPr>
+            <a:endParaRPr lang="pt-BR" dirty="0"/>
+          </a:p>
+        </p:txBody>
+      </p:sp>
+      <p:pic>
+        <p:nvPicPr>
+          <p:cNvPr id="7" name="Imagem 6"/>
+          <p:cNvPicPr>
+            <a:picLocks noChangeAspect="1"/>
+          </p:cNvPicPr>
+          <p:nvPr/>
+        </p:nvPicPr>
+        <p:blipFill>
+          <a:blip r:embed="rId3">
+            <a:extLst>
+              <a:ext uri="{28A0092B-C50C-407E-A947-70E740481C1C}">
+                <a14:useLocalDpi xmlns:a14="http://schemas.microsoft.com/office/drawing/2010/main" val="0"/>
+              </a:ext>
+            </a:extLst>
+          </a:blip>
+          <a:stretch>
+            <a:fillRect/>
+          </a:stretch>
+        </p:blipFill>
+        <p:spPr>
+          <a:xfrm>
+            <a:off x="1276325" y="2093976"/>
+            <a:ext cx="8777889" cy="1123237"/>
+          </a:xfrm>
+          <a:prstGeom prst="rect">
+            <a:avLst/>
+          </a:prstGeom>
+        </p:spPr>
+      </p:pic>
+      <p:pic>
+        <p:nvPicPr>
+          <p:cNvPr id="8" name="Imagem 7"/>
+          <p:cNvPicPr>
+            <a:picLocks noChangeAspect="1"/>
+          </p:cNvPicPr>
+          <p:nvPr/>
+        </p:nvPicPr>
+        <p:blipFill>
+          <a:blip r:embed="rId4">
+            <a:extLst>
+              <a:ext uri="{28A0092B-C50C-407E-A947-70E740481C1C}">
+                <a14:useLocalDpi xmlns:a14="http://schemas.microsoft.com/office/drawing/2010/main" val="0"/>
+              </a:ext>
+            </a:extLst>
+          </a:blip>
+          <a:stretch>
+            <a:fillRect/>
+          </a:stretch>
+        </p:blipFill>
+        <p:spPr>
+          <a:xfrm>
+            <a:off x="1276325" y="4590582"/>
+            <a:ext cx="9286358" cy="1581618"/>
+          </a:xfrm>
+          <a:prstGeom prst="rect">
+            <a:avLst/>
+          </a:prstGeom>
+        </p:spPr>
+      </p:pic>
+    </p:spTree>
+    <p:extLst>
+      <p:ext uri="{BB962C8B-B14F-4D97-AF65-F5344CB8AC3E}">
+        <p14:creationId xmlns:p14="http://schemas.microsoft.com/office/powerpoint/2010/main" val="1854971876"/>
+      </p:ext>
+    </p:extLst>
+  </p:cSld>
+  <p:clrMapOvr>
+    <a:masterClrMapping/>
+  </p:clrMapOvr>
+  <p:timing>
+    <p:tnLst>
+      <p:par>
+        <p:cTn id="1" dur="indefinite" restart="never" nodeType="tmRoot"/>
+      </p:par>
+    </p:tnLst>
+  </p:timing>
+</p:sld>
+</file>
+
+<file path=ppt/slides/slide8.xml><?xml version="1.0" encoding="utf-8"?>
+<p:sld xmlns:a="http://schemas.openxmlformats.org/drawingml/2006/main" xmlns:r="http://schemas.openxmlformats.org/officeDocument/2006/relationships" xmlns:p="http://schemas.openxmlformats.org/presentationml/2006/main">
+  <p:cSld>
+    <p:spTree>
+      <p:nvGrpSpPr>
+        <p:cNvPr id="1" name=""/>
+        <p:cNvGrpSpPr/>
+        <p:nvPr/>
+      </p:nvGrpSpPr>
+      <p:grpSpPr>
+        <a:xfrm>
+          <a:off x="0" y="0"/>
+          <a:ext cx="0" cy="0"/>
+          <a:chOff x="0" y="0"/>
+          <a:chExt cx="0" cy="0"/>
+        </a:xfrm>
+      </p:grpSpPr>
+      <p:sp>
+        <p:nvSpPr>
+          <p:cNvPr id="2" name="Título 1"/>
+          <p:cNvSpPr>
+            <a:spLocks noGrp="1"/>
+          </p:cNvSpPr>
+          <p:nvPr>
+            <p:ph type="title"/>
+          </p:nvPr>
+        </p:nvSpPr>
+        <p:spPr/>
+        <p:txBody>
+          <a:bodyPr/>
+          <a:lstStyle/>
+          <a:p>
+            <a:r>
+              <a:rPr lang="pt-PT" dirty="0" smtClean="0"/>
+              <a:t>Como funciona?</a:t>
+            </a:r>
+            <a:endParaRPr lang="pt-PT" dirty="0"/>
+          </a:p>
+        </p:txBody>
+      </p:sp>
+      <p:pic>
+        <p:nvPicPr>
+          <p:cNvPr id="4" name="Espaço Reservado para Conteúdo 3"/>
+          <p:cNvPicPr>
+            <a:picLocks noGrp="1" noChangeAspect="1"/>
+          </p:cNvPicPr>
+          <p:nvPr>
+            <p:ph idx="1"/>
+          </p:nvPr>
+        </p:nvPicPr>
+        <p:blipFill>
+          <a:blip r:embed="rId2">
+            <a:extLst>
+              <a:ext uri="{28A0092B-C50C-407E-A947-70E740481C1C}">
+                <a14:useLocalDpi xmlns:a14="http://schemas.microsoft.com/office/drawing/2010/main" val="0"/>
+              </a:ext>
+            </a:extLst>
+          </a:blip>
+          <a:stretch>
+            <a:fillRect/>
+          </a:stretch>
+        </p:blipFill>
+        <p:spPr>
+          <a:xfrm>
+            <a:off x="1289861" y="2093976"/>
+            <a:ext cx="6620761" cy="3693329"/>
+          </a:xfrm>
+        </p:spPr>
+      </p:pic>
+    </p:spTree>
+    <p:extLst>
+      <p:ext uri="{BB962C8B-B14F-4D97-AF65-F5344CB8AC3E}">
+        <p14:creationId xmlns:p14="http://schemas.microsoft.com/office/powerpoint/2010/main" val="406718976"/>
+      </p:ext>
+    </p:extLst>
+  </p:cSld>
+  <p:clrMapOvr>
+    <a:masterClrMapping/>
+  </p:clrMapOvr>
+  <p:timing>
+    <p:tnLst>
+      <p:par>
+        <p:cTn id="1" dur="indefinite" restart="never" nodeType="tmRoot"/>
+      </p:par>
+    </p:tnLst>
+  </p:timing>
+</p:sld>
+</file>
+
+<file path=ppt/slides/slide9.xml><?xml version="1.0" encoding="utf-8"?>
+<p:sld xmlns:a="http://schemas.openxmlformats.org/drawingml/2006/main" xmlns:r="http://schemas.openxmlformats.org/officeDocument/2006/relationships" xmlns:p="http://schemas.openxmlformats.org/presentationml/2006/main">
+  <p:cSld>
+    <p:spTree>
+      <p:nvGrpSpPr>
+        <p:cNvPr id="1" name=""/>
+        <p:cNvGrpSpPr/>
+        <p:nvPr/>
+      </p:nvGrpSpPr>
+      <p:grpSpPr>
+        <a:xfrm>
+          <a:off x="0" y="0"/>
+          <a:ext cx="0" cy="0"/>
+          <a:chOff x="0" y="0"/>
+          <a:chExt cx="0" cy="0"/>
+        </a:xfrm>
+      </p:grpSpPr>
+      <p:sp>
+        <p:nvSpPr>
+          <p:cNvPr id="2" name="Título 1"/>
+          <p:cNvSpPr>
+            <a:spLocks noGrp="1"/>
+          </p:cNvSpPr>
+          <p:nvPr>
+            <p:ph type="title"/>
+          </p:nvPr>
+        </p:nvSpPr>
+        <p:spPr>
+          <a:xfrm>
+            <a:off x="1012698" y="2237232"/>
+            <a:ext cx="10058400" cy="2315718"/>
+          </a:xfrm>
+        </p:spPr>
+        <p:txBody>
+          <a:bodyPr>
+            <a:normAutofit/>
+          </a:bodyPr>
+          <a:lstStyle/>
+          <a:p>
+            <a:pPr algn="ctr"/>
+            <a:r>
+              <a:rPr lang="pt-BR" sz="9600" dirty="0" err="1" smtClean="0"/>
+              <a:t>FIm</a:t>
+            </a:r>
+            <a:endParaRPr lang="pt-BR" sz="9600" dirty="0"/>
+          </a:p>
+        </p:txBody>
+      </p:sp>
+    </p:spTree>
+    <p:extLst>
+      <p:ext uri="{BB962C8B-B14F-4D97-AF65-F5344CB8AC3E}">
+        <p14:creationId xmlns:p14="http://schemas.microsoft.com/office/powerpoint/2010/main" val="356591342"/>
+      </p:ext>
+    </p:extLst>
+  </p:cSld>
+  <p:clrMapOvr>
+    <a:masterClrMapping/>
+  </p:clrMapOvr>
+  <p:timing>
+    <p:tnLst>
+      <p:par>
+        <p:cTn id="1" dur="indefinite" restart="never" nodeType="tmRoot"/>
+      </p:par>
+    </p:tnLst>
+  </p:timing>
 </p:sld>
 </file>
 

--- a/Apresentação1.pptx
+++ b/Apresentação1.pptx
@@ -216,7 +216,7 @@
           <a:p>
             <a:fld id="{789B97F0-76AB-6C49-822A-2A5831DEB5CB}" type="datetimeFigureOut">
               <a:rPr lang="pt-BR" smtClean="0"/>
-              <a:t>14/12/15</a:t>
+              <a:t>16/12/15</a:t>
             </a:fld>
             <a:endParaRPr lang="pt-BR"/>
           </a:p>
@@ -648,6 +648,23 @@
           <a:bodyPr/>
           <a:lstStyle/>
           <a:p>
+            <a:pPr marL="0" marR="0" indent="0" algn="l" defTabSz="914400" rtl="0" eaLnBrk="1" fontAlgn="auto" latinLnBrk="0" hangingPunct="1">
+              <a:lnSpc>
+                <a:spcPct val="100000"/>
+              </a:lnSpc>
+              <a:spcBef>
+                <a:spcPts val="0"/>
+              </a:spcBef>
+              <a:spcAft>
+                <a:spcPts val="0"/>
+              </a:spcAft>
+              <a:buClrTx/>
+              <a:buSzTx/>
+              <a:buFontTx/>
+              <a:buNone/>
+              <a:tabLst/>
+              <a:defRPr/>
+            </a:pPr>
             <a:r>
               <a:rPr lang="pt-BR" dirty="0" err="1" smtClean="0"/>
               <a:t>http</a:t>
@@ -669,7 +686,7 @@
               <a:t>bloomfilter?n</a:t>
             </a:r>
             <a:r>
-              <a:rPr lang="pt-BR" dirty="0" smtClean="0"/>
+              <a:rPr lang="pt-BR" smtClean="0"/>
               <a:t>=4&amp;p=1.0E-6</a:t>
             </a:r>
             <a:endParaRPr lang="pt-BR" dirty="0"/>
@@ -1297,7 +1314,7 @@
           <a:p>
             <a:fld id="{83284890-85D2-4D7B-8EF5-15A9C1DB8F42}" type="datetimeFigureOut">
               <a:rPr lang="en-US" smtClean="0"/>
-              <a:t>12/14/15</a:t>
+              <a:t>12/16/15</a:t>
             </a:fld>
             <a:endParaRPr lang="en-US"/>
           </a:p>
@@ -1477,7 +1494,7 @@
           <a:p>
             <a:fld id="{87157CC2-0FC8-4686-B024-99790E0F5162}" type="datetimeFigureOut">
               <a:rPr lang="en-US" smtClean="0"/>
-              <a:t>12/14/15</a:t>
+              <a:t>12/16/15</a:t>
             </a:fld>
             <a:endParaRPr lang="en-US"/>
           </a:p>
@@ -1657,7 +1674,7 @@
           <a:p>
             <a:fld id="{F6764DA5-CD3D-4590-A511-FCD3BC7A793E}" type="datetimeFigureOut">
               <a:rPr lang="en-US" smtClean="0"/>
-              <a:t>12/14/15</a:t>
+              <a:t>12/16/15</a:t>
             </a:fld>
             <a:endParaRPr lang="en-US"/>
           </a:p>
@@ -1827,7 +1844,7 @@
           <a:p>
             <a:fld id="{82F5661D-6934-4B32-B92C-470368BF1EC6}" type="datetimeFigureOut">
               <a:rPr lang="en-US" smtClean="0"/>
-              <a:t>12/14/15</a:t>
+              <a:t>12/16/15</a:t>
             </a:fld>
             <a:endParaRPr lang="en-US"/>
           </a:p>
@@ -2148,7 +2165,7 @@
           <a:p>
             <a:fld id="{C6F822A4-8DA6-4447-9B1F-C5DB58435268}" type="datetimeFigureOut">
               <a:rPr lang="en-US" smtClean="0"/>
-              <a:t>12/14/15</a:t>
+              <a:t>12/16/15</a:t>
             </a:fld>
             <a:endParaRPr lang="en-US" dirty="0"/>
           </a:p>
@@ -2609,7 +2626,7 @@
           <a:p>
             <a:fld id="{E548D31E-DCDA-41A7-9C67-C4B11B94D21D}" type="datetimeFigureOut">
               <a:rPr lang="en-US" smtClean="0"/>
-              <a:t>12/14/15</a:t>
+              <a:t>12/16/15</a:t>
             </a:fld>
             <a:endParaRPr lang="en-US"/>
           </a:p>
@@ -3020,7 +3037,7 @@
           <a:p>
             <a:fld id="{9B3762C0-B258-48F1-ADE6-176B4174CCDD}" type="datetimeFigureOut">
               <a:rPr lang="en-US" smtClean="0"/>
-              <a:t>12/14/15</a:t>
+              <a:t>12/16/15</a:t>
             </a:fld>
             <a:endParaRPr lang="en-US"/>
           </a:p>
@@ -3138,7 +3155,7 @@
           <a:p>
             <a:fld id="{677919A6-33EB-49BD-A62F-1FA56B9F9712}" type="datetimeFigureOut">
               <a:rPr lang="en-US" smtClean="0"/>
-              <a:t>12/14/15</a:t>
+              <a:t>12/16/15</a:t>
             </a:fld>
             <a:endParaRPr lang="en-US"/>
           </a:p>
@@ -3256,7 +3273,7 @@
           <a:p>
             <a:fld id="{CA4E7D1B-D673-4CF6-8672-009D42ABD2A0}" type="datetimeFigureOut">
               <a:rPr lang="en-US" smtClean="0"/>
-              <a:t>12/14/15</a:t>
+              <a:t>12/16/15</a:t>
             </a:fld>
             <a:endParaRPr lang="en-US"/>
           </a:p>
@@ -3614,7 +3631,7 @@
           <a:p>
             <a:fld id="{DA16AA21-1863-4931-97CB-99D0A168701B}" type="datetimeFigureOut">
               <a:rPr lang="en-US" smtClean="0"/>
-              <a:t>12/14/15</a:t>
+              <a:t>12/16/15</a:t>
             </a:fld>
             <a:endParaRPr lang="en-US"/>
           </a:p>
@@ -4121,7 +4138,7 @@
           <a:p>
             <a:fld id="{3772C379-9A7C-4C87-A116-CBE9F58B04C5}" type="datetimeFigureOut">
               <a:rPr lang="en-US" smtClean="0"/>
-              <a:t>12/14/15</a:t>
+              <a:t>12/16/15</a:t>
             </a:fld>
             <a:endParaRPr lang="en-US"/>
           </a:p>
@@ -4476,7 +4493,7 @@
           <a:p>
             <a:fld id="{8664C608-40B1-4030-A28D-5B74BC98ADCE}" type="datetimeFigureOut">
               <a:rPr lang="en-US" smtClean="0"/>
-              <a:t>12/14/15</a:t>
+              <a:t>12/16/15</a:t>
             </a:fld>
             <a:endParaRPr lang="en-US" dirty="0"/>
           </a:p>
@@ -5690,26 +5707,17 @@
             </a:r>
             <a:r>
               <a:rPr lang="pt-PT" dirty="0" smtClean="0"/>
-              <a:t>é utilizado para mostrar a similaridade entre utilizadores em relação aos livros requisitados</a:t>
-            </a:r>
+              <a:t>é utilizado para mostrar a similaridade entre utilizadores em relação aos livros requisitados.</a:t>
+            </a:r>
+          </a:p>
+          <a:p>
+            <a:endParaRPr lang="pt-PT" dirty="0"/>
+          </a:p>
+          <a:p>
             <a:r>
               <a:rPr lang="pt-PT" dirty="0" smtClean="0"/>
-              <a:t>.</a:t>
-            </a:r>
-          </a:p>
-          <a:p>
-            <a:endParaRPr lang="pt-PT" dirty="0"/>
-          </a:p>
-          <a:p>
-            <a:r>
-              <a:rPr lang="pt-PT" dirty="0" smtClean="0"/>
-              <a:t>Var = 2.627*10</a:t>
-            </a:r>
-            <a:r>
-              <a:rPr lang="pt-PT" dirty="0" smtClean="0"/>
-              <a:t>^-04</a:t>
-            </a:r>
-            <a:endParaRPr lang="pt-PT" dirty="0" smtClean="0"/>
+              <a:t>Var = 2.627*10^-04</a:t>
+            </a:r>
           </a:p>
           <a:p>
             <a:endParaRPr lang="pt-PT" dirty="0"/>
